--- a/hw01.pptx
+++ b/hw01.pptx
@@ -4,8 +4,18 @@
   <p:sldMasterIdLst>
     <p:sldMasterId id="2147483648" r:id="rId1"/>
   </p:sldMasterIdLst>
+  <p:notesMasterIdLst>
+    <p:notesMasterId r:id="rId10"/>
+  </p:notesMasterIdLst>
   <p:sldIdLst>
-    <p:sldId id="256" r:id="rId2"/>
+    <p:sldId id="270" r:id="rId2"/>
+    <p:sldId id="256" r:id="rId3"/>
+    <p:sldId id="271" r:id="rId4"/>
+    <p:sldId id="272" r:id="rId5"/>
+    <p:sldId id="273" r:id="rId6"/>
+    <p:sldId id="274" r:id="rId7"/>
+    <p:sldId id="275" r:id="rId8"/>
+    <p:sldId id="276" r:id="rId9"/>
   </p:sldIdLst>
   <p:sldSz cx="12192000" cy="6858000"/>
   <p:notesSz cx="6858000" cy="9144000"/>
@@ -104,7 +114,1555 @@
       </a:defRPr>
     </a:lvl9pPr>
   </p:defaultTextStyle>
+  <p:extLst>
+    <p:ext uri="{EFAFB233-063F-42B5-8137-9DF3F51BA10A}">
+      <p15:sldGuideLst xmlns:p15="http://schemas.microsoft.com/office/powerpoint/2012/main"/>
+    </p:ext>
+  </p:extLst>
 </p:presentation>
+</file>
+
+<file path=ppt/notesMasters/notesMaster1.xml><?xml version="1.0" encoding="utf-8"?>
+<p:notesMaster xmlns:a="http://schemas.openxmlformats.org/drawingml/2006/main" xmlns:r="http://schemas.openxmlformats.org/officeDocument/2006/relationships" xmlns:p="http://schemas.openxmlformats.org/presentationml/2006/main">
+  <p:cSld>
+    <p:bg>
+      <p:bgRef idx="1001">
+        <a:schemeClr val="bg1"/>
+      </p:bgRef>
+    </p:bg>
+    <p:spTree>
+      <p:nvGrpSpPr>
+        <p:cNvPr id="1" name=""/>
+        <p:cNvGrpSpPr/>
+        <p:nvPr/>
+      </p:nvGrpSpPr>
+      <p:grpSpPr>
+        <a:xfrm>
+          <a:off x="0" y="0"/>
+          <a:ext cx="0" cy="0"/>
+          <a:chOff x="0" y="0"/>
+          <a:chExt cx="0" cy="0"/>
+        </a:xfrm>
+      </p:grpSpPr>
+      <p:sp>
+        <p:nvSpPr>
+          <p:cNvPr id="2" name="頁首版面配置區 1"/>
+          <p:cNvSpPr>
+            <a:spLocks noGrp="1"/>
+          </p:cNvSpPr>
+          <p:nvPr>
+            <p:ph type="hdr" sz="quarter"/>
+          </p:nvPr>
+        </p:nvSpPr>
+        <p:spPr>
+          <a:xfrm>
+            <a:off x="0" y="0"/>
+            <a:ext cx="2971800" cy="458788"/>
+          </a:xfrm>
+          <a:prstGeom prst="rect">
+            <a:avLst/>
+          </a:prstGeom>
+        </p:spPr>
+        <p:txBody>
+          <a:bodyPr vert="horz" lIns="91440" tIns="45720" rIns="91440" bIns="45720" rtlCol="0"/>
+          <a:lstStyle>
+            <a:lvl1pPr algn="l">
+              <a:defRPr sz="1200"/>
+            </a:lvl1pPr>
+          </a:lstStyle>
+          <a:p>
+            <a:endParaRPr lang="zh-TW" altLang="en-US"/>
+          </a:p>
+        </p:txBody>
+      </p:sp>
+      <p:sp>
+        <p:nvSpPr>
+          <p:cNvPr id="3" name="日期版面配置區 2"/>
+          <p:cNvSpPr>
+            <a:spLocks noGrp="1"/>
+          </p:cNvSpPr>
+          <p:nvPr>
+            <p:ph type="dt" idx="1"/>
+          </p:nvPr>
+        </p:nvSpPr>
+        <p:spPr>
+          <a:xfrm>
+            <a:off x="3884613" y="0"/>
+            <a:ext cx="2971800" cy="458788"/>
+          </a:xfrm>
+          <a:prstGeom prst="rect">
+            <a:avLst/>
+          </a:prstGeom>
+        </p:spPr>
+        <p:txBody>
+          <a:bodyPr vert="horz" lIns="91440" tIns="45720" rIns="91440" bIns="45720" rtlCol="0"/>
+          <a:lstStyle>
+            <a:lvl1pPr algn="r">
+              <a:defRPr sz="1200"/>
+            </a:lvl1pPr>
+          </a:lstStyle>
+          <a:p>
+            <a:fld id="{C3ADC67D-B875-494C-A789-0B27AA4DED5E}" type="datetimeFigureOut">
+              <a:rPr lang="zh-TW" altLang="en-US" smtClean="0"/>
+              <a:t>2024/10/31</a:t>
+            </a:fld>
+            <a:endParaRPr lang="zh-TW" altLang="en-US"/>
+          </a:p>
+        </p:txBody>
+      </p:sp>
+      <p:sp>
+        <p:nvSpPr>
+          <p:cNvPr id="4" name="投影片影像版面配置區 3"/>
+          <p:cNvSpPr>
+            <a:spLocks noGrp="1" noRot="1" noChangeAspect="1"/>
+          </p:cNvSpPr>
+          <p:nvPr>
+            <p:ph type="sldImg" idx="2"/>
+          </p:nvPr>
+        </p:nvSpPr>
+        <p:spPr>
+          <a:xfrm>
+            <a:off x="685800" y="1143000"/>
+            <a:ext cx="5486400" cy="3086100"/>
+          </a:xfrm>
+          <a:prstGeom prst="rect">
+            <a:avLst/>
+          </a:prstGeom>
+          <a:noFill/>
+          <a:ln w="12700">
+            <a:solidFill>
+              <a:prstClr val="black"/>
+            </a:solidFill>
+          </a:ln>
+        </p:spPr>
+        <p:txBody>
+          <a:bodyPr vert="horz" lIns="91440" tIns="45720" rIns="91440" bIns="45720" rtlCol="0" anchor="ctr"/>
+          <a:lstStyle/>
+          <a:p>
+            <a:endParaRPr lang="zh-TW" altLang="en-US"/>
+          </a:p>
+        </p:txBody>
+      </p:sp>
+      <p:sp>
+        <p:nvSpPr>
+          <p:cNvPr id="5" name="備忘稿版面配置區 4"/>
+          <p:cNvSpPr>
+            <a:spLocks noGrp="1"/>
+          </p:cNvSpPr>
+          <p:nvPr>
+            <p:ph type="body" sz="quarter" idx="3"/>
+          </p:nvPr>
+        </p:nvSpPr>
+        <p:spPr>
+          <a:xfrm>
+            <a:off x="685800" y="4400550"/>
+            <a:ext cx="5486400" cy="3600450"/>
+          </a:xfrm>
+          <a:prstGeom prst="rect">
+            <a:avLst/>
+          </a:prstGeom>
+        </p:spPr>
+        <p:txBody>
+          <a:bodyPr vert="horz" lIns="91440" tIns="45720" rIns="91440" bIns="45720" rtlCol="0"/>
+          <a:lstStyle/>
+          <a:p>
+            <a:pPr lvl="0"/>
+            <a:r>
+              <a:rPr lang="zh-TW" altLang="en-US"/>
+              <a:t>按一下以編輯母片文字樣式</a:t>
+            </a:r>
+          </a:p>
+          <a:p>
+            <a:pPr lvl="1"/>
+            <a:r>
+              <a:rPr lang="zh-TW" altLang="en-US"/>
+              <a:t>第二層</a:t>
+            </a:r>
+          </a:p>
+          <a:p>
+            <a:pPr lvl="2"/>
+            <a:r>
+              <a:rPr lang="zh-TW" altLang="en-US"/>
+              <a:t>第三層</a:t>
+            </a:r>
+          </a:p>
+          <a:p>
+            <a:pPr lvl="3"/>
+            <a:r>
+              <a:rPr lang="zh-TW" altLang="en-US"/>
+              <a:t>第四層</a:t>
+            </a:r>
+          </a:p>
+          <a:p>
+            <a:pPr lvl="4"/>
+            <a:r>
+              <a:rPr lang="zh-TW" altLang="en-US"/>
+              <a:t>第五層</a:t>
+            </a:r>
+          </a:p>
+        </p:txBody>
+      </p:sp>
+      <p:sp>
+        <p:nvSpPr>
+          <p:cNvPr id="6" name="頁尾版面配置區 5"/>
+          <p:cNvSpPr>
+            <a:spLocks noGrp="1"/>
+          </p:cNvSpPr>
+          <p:nvPr>
+            <p:ph type="ftr" sz="quarter" idx="4"/>
+          </p:nvPr>
+        </p:nvSpPr>
+        <p:spPr>
+          <a:xfrm>
+            <a:off x="0" y="8685213"/>
+            <a:ext cx="2971800" cy="458787"/>
+          </a:xfrm>
+          <a:prstGeom prst="rect">
+            <a:avLst/>
+          </a:prstGeom>
+        </p:spPr>
+        <p:txBody>
+          <a:bodyPr vert="horz" lIns="91440" tIns="45720" rIns="91440" bIns="45720" rtlCol="0" anchor="b"/>
+          <a:lstStyle>
+            <a:lvl1pPr algn="l">
+              <a:defRPr sz="1200"/>
+            </a:lvl1pPr>
+          </a:lstStyle>
+          <a:p>
+            <a:endParaRPr lang="zh-TW" altLang="en-US"/>
+          </a:p>
+        </p:txBody>
+      </p:sp>
+      <p:sp>
+        <p:nvSpPr>
+          <p:cNvPr id="7" name="投影片編號版面配置區 6"/>
+          <p:cNvSpPr>
+            <a:spLocks noGrp="1"/>
+          </p:cNvSpPr>
+          <p:nvPr>
+            <p:ph type="sldNum" sz="quarter" idx="5"/>
+          </p:nvPr>
+        </p:nvSpPr>
+        <p:spPr>
+          <a:xfrm>
+            <a:off x="3884613" y="8685213"/>
+            <a:ext cx="2971800" cy="458787"/>
+          </a:xfrm>
+          <a:prstGeom prst="rect">
+            <a:avLst/>
+          </a:prstGeom>
+        </p:spPr>
+        <p:txBody>
+          <a:bodyPr vert="horz" lIns="91440" tIns="45720" rIns="91440" bIns="45720" rtlCol="0" anchor="b"/>
+          <a:lstStyle>
+            <a:lvl1pPr algn="r">
+              <a:defRPr sz="1200"/>
+            </a:lvl1pPr>
+          </a:lstStyle>
+          <a:p>
+            <a:fld id="{B487413E-1054-4680-9ADE-03C02C3A6B41}" type="slidenum">
+              <a:rPr lang="zh-TW" altLang="en-US" smtClean="0"/>
+              <a:t>‹#›</a:t>
+            </a:fld>
+            <a:endParaRPr lang="zh-TW" altLang="en-US"/>
+          </a:p>
+        </p:txBody>
+      </p:sp>
+    </p:spTree>
+    <p:extLst>
+      <p:ext uri="{BB962C8B-B14F-4D97-AF65-F5344CB8AC3E}">
+        <p14:creationId xmlns:p14="http://schemas.microsoft.com/office/powerpoint/2010/main" val="2151510544"/>
+      </p:ext>
+    </p:extLst>
+  </p:cSld>
+  <p:clrMap bg1="lt1" tx1="dk1" bg2="lt2" tx2="dk2" accent1="accent1" accent2="accent2" accent3="accent3" accent4="accent4" accent5="accent5" accent6="accent6" hlink="hlink" folHlink="folHlink"/>
+  <p:notesStyle>
+    <a:lvl1pPr marL="0" algn="l" defTabSz="914400" rtl="0" eaLnBrk="1" latinLnBrk="0" hangingPunct="1">
+      <a:defRPr sz="1200" kern="1200">
+        <a:solidFill>
+          <a:schemeClr val="tx1"/>
+        </a:solidFill>
+        <a:latin typeface="+mn-lt"/>
+        <a:ea typeface="+mn-ea"/>
+        <a:cs typeface="+mn-cs"/>
+      </a:defRPr>
+    </a:lvl1pPr>
+    <a:lvl2pPr marL="457200" algn="l" defTabSz="914400" rtl="0" eaLnBrk="1" latinLnBrk="0" hangingPunct="1">
+      <a:defRPr sz="1200" kern="1200">
+        <a:solidFill>
+          <a:schemeClr val="tx1"/>
+        </a:solidFill>
+        <a:latin typeface="+mn-lt"/>
+        <a:ea typeface="+mn-ea"/>
+        <a:cs typeface="+mn-cs"/>
+      </a:defRPr>
+    </a:lvl2pPr>
+    <a:lvl3pPr marL="914400" algn="l" defTabSz="914400" rtl="0" eaLnBrk="1" latinLnBrk="0" hangingPunct="1">
+      <a:defRPr sz="1200" kern="1200">
+        <a:solidFill>
+          <a:schemeClr val="tx1"/>
+        </a:solidFill>
+        <a:latin typeface="+mn-lt"/>
+        <a:ea typeface="+mn-ea"/>
+        <a:cs typeface="+mn-cs"/>
+      </a:defRPr>
+    </a:lvl3pPr>
+    <a:lvl4pPr marL="1371600" algn="l" defTabSz="914400" rtl="0" eaLnBrk="1" latinLnBrk="0" hangingPunct="1">
+      <a:defRPr sz="1200" kern="1200">
+        <a:solidFill>
+          <a:schemeClr val="tx1"/>
+        </a:solidFill>
+        <a:latin typeface="+mn-lt"/>
+        <a:ea typeface="+mn-ea"/>
+        <a:cs typeface="+mn-cs"/>
+      </a:defRPr>
+    </a:lvl4pPr>
+    <a:lvl5pPr marL="1828800" algn="l" defTabSz="914400" rtl="0" eaLnBrk="1" latinLnBrk="0" hangingPunct="1">
+      <a:defRPr sz="1200" kern="1200">
+        <a:solidFill>
+          <a:schemeClr val="tx1"/>
+        </a:solidFill>
+        <a:latin typeface="+mn-lt"/>
+        <a:ea typeface="+mn-ea"/>
+        <a:cs typeface="+mn-cs"/>
+      </a:defRPr>
+    </a:lvl5pPr>
+    <a:lvl6pPr marL="2286000" algn="l" defTabSz="914400" rtl="0" eaLnBrk="1" latinLnBrk="0" hangingPunct="1">
+      <a:defRPr sz="1200" kern="1200">
+        <a:solidFill>
+          <a:schemeClr val="tx1"/>
+        </a:solidFill>
+        <a:latin typeface="+mn-lt"/>
+        <a:ea typeface="+mn-ea"/>
+        <a:cs typeface="+mn-cs"/>
+      </a:defRPr>
+    </a:lvl6pPr>
+    <a:lvl7pPr marL="2743200" algn="l" defTabSz="914400" rtl="0" eaLnBrk="1" latinLnBrk="0" hangingPunct="1">
+      <a:defRPr sz="1200" kern="1200">
+        <a:solidFill>
+          <a:schemeClr val="tx1"/>
+        </a:solidFill>
+        <a:latin typeface="+mn-lt"/>
+        <a:ea typeface="+mn-ea"/>
+        <a:cs typeface="+mn-cs"/>
+      </a:defRPr>
+    </a:lvl7pPr>
+    <a:lvl8pPr marL="3200400" algn="l" defTabSz="914400" rtl="0" eaLnBrk="1" latinLnBrk="0" hangingPunct="1">
+      <a:defRPr sz="1200" kern="1200">
+        <a:solidFill>
+          <a:schemeClr val="tx1"/>
+        </a:solidFill>
+        <a:latin typeface="+mn-lt"/>
+        <a:ea typeface="+mn-ea"/>
+        <a:cs typeface="+mn-cs"/>
+      </a:defRPr>
+    </a:lvl8pPr>
+    <a:lvl9pPr marL="3657600" algn="l" defTabSz="914400" rtl="0" eaLnBrk="1" latinLnBrk="0" hangingPunct="1">
+      <a:defRPr sz="1200" kern="1200">
+        <a:solidFill>
+          <a:schemeClr val="tx1"/>
+        </a:solidFill>
+        <a:latin typeface="+mn-lt"/>
+        <a:ea typeface="+mn-ea"/>
+        <a:cs typeface="+mn-cs"/>
+      </a:defRPr>
+    </a:lvl9pPr>
+  </p:notesStyle>
+</p:notesMaster>
+</file>
+
+<file path=ppt/notesSlides/notesSlide1.xml><?xml version="1.0" encoding="utf-8"?>
+<p:notes xmlns:a="http://schemas.openxmlformats.org/drawingml/2006/main" xmlns:r="http://schemas.openxmlformats.org/officeDocument/2006/relationships" xmlns:p="http://schemas.openxmlformats.org/presentationml/2006/main">
+  <p:cSld>
+    <p:spTree>
+      <p:nvGrpSpPr>
+        <p:cNvPr id="1" name=""/>
+        <p:cNvGrpSpPr/>
+        <p:nvPr/>
+      </p:nvGrpSpPr>
+      <p:grpSpPr>
+        <a:xfrm>
+          <a:off x="0" y="0"/>
+          <a:ext cx="0" cy="0"/>
+          <a:chOff x="0" y="0"/>
+          <a:chExt cx="0" cy="0"/>
+        </a:xfrm>
+      </p:grpSpPr>
+      <p:sp>
+        <p:nvSpPr>
+          <p:cNvPr id="2" name="投影片影像版面配置區 1"/>
+          <p:cNvSpPr>
+            <a:spLocks noGrp="1" noRot="1" noChangeAspect="1"/>
+          </p:cNvSpPr>
+          <p:nvPr>
+            <p:ph type="sldImg"/>
+          </p:nvPr>
+        </p:nvSpPr>
+        <p:spPr/>
+      </p:sp>
+      <p:sp>
+        <p:nvSpPr>
+          <p:cNvPr id="3" name="備忘稿版面配置區 2"/>
+          <p:cNvSpPr>
+            <a:spLocks noGrp="1"/>
+          </p:cNvSpPr>
+          <p:nvPr>
+            <p:ph type="body" idx="1"/>
+          </p:nvPr>
+        </p:nvSpPr>
+        <p:spPr/>
+        <p:txBody>
+          <a:bodyPr/>
+          <a:lstStyle/>
+          <a:p>
+            <a:endParaRPr lang="zh-TW" altLang="en-US" dirty="0"/>
+          </a:p>
+        </p:txBody>
+      </p:sp>
+      <p:sp>
+        <p:nvSpPr>
+          <p:cNvPr id="4" name="投影片編號版面配置區 3"/>
+          <p:cNvSpPr>
+            <a:spLocks noGrp="1"/>
+          </p:cNvSpPr>
+          <p:nvPr>
+            <p:ph type="sldNum" sz="quarter" idx="5"/>
+          </p:nvPr>
+        </p:nvSpPr>
+        <p:spPr/>
+        <p:txBody>
+          <a:bodyPr/>
+          <a:lstStyle/>
+          <a:p>
+            <a:fld id="{B487413E-1054-4680-9ADE-03C02C3A6B41}" type="slidenum">
+              <a:rPr lang="zh-TW" altLang="en-US" smtClean="0"/>
+              <a:t>1</a:t>
+            </a:fld>
+            <a:endParaRPr lang="zh-TW" altLang="en-US"/>
+          </a:p>
+        </p:txBody>
+      </p:sp>
+    </p:spTree>
+    <p:extLst>
+      <p:ext uri="{BB962C8B-B14F-4D97-AF65-F5344CB8AC3E}">
+        <p14:creationId xmlns:p14="http://schemas.microsoft.com/office/powerpoint/2010/main" val="4124524119"/>
+      </p:ext>
+    </p:extLst>
+  </p:cSld>
+  <p:clrMapOvr>
+    <a:masterClrMapping/>
+  </p:clrMapOvr>
+</p:notes>
+</file>
+
+<file path=ppt/notesSlides/notesSlide2.xml><?xml version="1.0" encoding="utf-8"?>
+<p:notes xmlns:a="http://schemas.openxmlformats.org/drawingml/2006/main" xmlns:r="http://schemas.openxmlformats.org/officeDocument/2006/relationships" xmlns:p="http://schemas.openxmlformats.org/presentationml/2006/main">
+  <p:cSld>
+    <p:spTree>
+      <p:nvGrpSpPr>
+        <p:cNvPr id="1" name=""/>
+        <p:cNvGrpSpPr/>
+        <p:nvPr/>
+      </p:nvGrpSpPr>
+      <p:grpSpPr>
+        <a:xfrm>
+          <a:off x="0" y="0"/>
+          <a:ext cx="0" cy="0"/>
+          <a:chOff x="0" y="0"/>
+          <a:chExt cx="0" cy="0"/>
+        </a:xfrm>
+      </p:grpSpPr>
+      <p:sp>
+        <p:nvSpPr>
+          <p:cNvPr id="2" name="投影片影像版面配置區 1"/>
+          <p:cNvSpPr>
+            <a:spLocks noGrp="1" noRot="1" noChangeAspect="1"/>
+          </p:cNvSpPr>
+          <p:nvPr>
+            <p:ph type="sldImg"/>
+          </p:nvPr>
+        </p:nvSpPr>
+        <p:spPr/>
+      </p:sp>
+      <p:sp>
+        <p:nvSpPr>
+          <p:cNvPr id="3" name="備忘稿版面配置區 2"/>
+          <p:cNvSpPr>
+            <a:spLocks noGrp="1"/>
+          </p:cNvSpPr>
+          <p:nvPr>
+            <p:ph type="body" idx="1"/>
+          </p:nvPr>
+        </p:nvSpPr>
+        <p:spPr/>
+        <p:txBody>
+          <a:bodyPr/>
+          <a:lstStyle/>
+          <a:p>
+            <a:pPr marL="0" marR="0" lvl="0" indent="0" algn="l" defTabSz="914400" rtl="0" eaLnBrk="1" fontAlgn="auto" latinLnBrk="0" hangingPunct="1">
+              <a:lnSpc>
+                <a:spcPct val="100000"/>
+              </a:lnSpc>
+              <a:spcBef>
+                <a:spcPts val="0"/>
+              </a:spcBef>
+              <a:spcAft>
+                <a:spcPts val="0"/>
+              </a:spcAft>
+              <a:buClrTx/>
+              <a:buSzTx/>
+              <a:buFontTx/>
+              <a:buNone/>
+              <a:tabLst/>
+              <a:defRPr/>
+            </a:pPr>
+            <a:r>
+              <a:rPr lang="zh-TW" altLang="en-US" sz="1200" b="0" i="0" kern="1200" dirty="0">
+                <a:solidFill>
+                  <a:schemeClr val="tx1"/>
+                </a:solidFill>
+                <a:effectLst/>
+                <a:highlight>
+                  <a:srgbClr val="F7F7F7"/>
+                </a:highlight>
+                <a:latin typeface="+mn-lt"/>
+                <a:ea typeface="+mn-ea"/>
+                <a:cs typeface="+mn-cs"/>
+              </a:rPr>
+              <a:t>日本</a:t>
+            </a:r>
+            <a:r>
+              <a:rPr lang="en-US" altLang="zh-TW" sz="1200" b="0" i="0" kern="1200" dirty="0">
+                <a:solidFill>
+                  <a:schemeClr val="tx1"/>
+                </a:solidFill>
+                <a:effectLst/>
+                <a:highlight>
+                  <a:srgbClr val="F7F7F7"/>
+                </a:highlight>
+                <a:latin typeface="+mn-lt"/>
+                <a:ea typeface="+mn-ea"/>
+                <a:cs typeface="+mn-cs"/>
+              </a:rPr>
+              <a:t>2D</a:t>
+            </a:r>
+            <a:r>
+              <a:rPr lang="zh-TW" altLang="en-US" sz="1200" b="0" i="0" kern="1200" dirty="0">
+                <a:solidFill>
+                  <a:schemeClr val="tx1"/>
+                </a:solidFill>
+                <a:effectLst/>
+                <a:highlight>
+                  <a:srgbClr val="F7F7F7"/>
+                </a:highlight>
+                <a:latin typeface="+mn-lt"/>
+                <a:ea typeface="+mn-ea"/>
+                <a:cs typeface="+mn-cs"/>
+              </a:rPr>
+              <a:t>動漫風格的男生 白髮 背景幫我改成電競房 </a:t>
+            </a:r>
+            <a:endParaRPr lang="en-US" altLang="zh-TW" sz="1200" b="0" i="0" kern="1200" dirty="0">
+              <a:solidFill>
+                <a:schemeClr val="tx1"/>
+              </a:solidFill>
+              <a:effectLst/>
+              <a:highlight>
+                <a:srgbClr val="F7F7F7"/>
+              </a:highlight>
+              <a:latin typeface="+mn-lt"/>
+              <a:ea typeface="+mn-ea"/>
+              <a:cs typeface="+mn-cs"/>
+            </a:endParaRPr>
+          </a:p>
+          <a:p>
+            <a:pPr marL="0" marR="0" lvl="0" indent="0" algn="l" defTabSz="914400" rtl="0" eaLnBrk="1" fontAlgn="auto" latinLnBrk="0" hangingPunct="1">
+              <a:lnSpc>
+                <a:spcPct val="100000"/>
+              </a:lnSpc>
+              <a:spcBef>
+                <a:spcPts val="0"/>
+              </a:spcBef>
+              <a:spcAft>
+                <a:spcPts val="0"/>
+              </a:spcAft>
+              <a:buClrTx/>
+              <a:buSzTx/>
+              <a:buFontTx/>
+              <a:buNone/>
+              <a:tabLst/>
+              <a:defRPr/>
+            </a:pPr>
+            <a:endParaRPr lang="en-US" altLang="zh-TW" b="0" i="0" dirty="0">
+              <a:solidFill>
+                <a:srgbClr val="111111"/>
+              </a:solidFill>
+              <a:effectLst/>
+              <a:highlight>
+                <a:srgbClr val="F7F7F7"/>
+              </a:highlight>
+              <a:latin typeface="-apple-system"/>
+            </a:endParaRPr>
+          </a:p>
+          <a:p>
+            <a:endParaRPr lang="zh-TW" altLang="en-US" dirty="0"/>
+          </a:p>
+        </p:txBody>
+      </p:sp>
+      <p:sp>
+        <p:nvSpPr>
+          <p:cNvPr id="4" name="投影片編號版面配置區 3"/>
+          <p:cNvSpPr>
+            <a:spLocks noGrp="1"/>
+          </p:cNvSpPr>
+          <p:nvPr>
+            <p:ph type="sldNum" sz="quarter" idx="5"/>
+          </p:nvPr>
+        </p:nvSpPr>
+        <p:spPr/>
+        <p:txBody>
+          <a:bodyPr/>
+          <a:lstStyle/>
+          <a:p>
+            <a:fld id="{B487413E-1054-4680-9ADE-03C02C3A6B41}" type="slidenum">
+              <a:rPr lang="zh-TW" altLang="en-US" smtClean="0"/>
+              <a:t>2</a:t>
+            </a:fld>
+            <a:endParaRPr lang="zh-TW" altLang="en-US"/>
+          </a:p>
+        </p:txBody>
+      </p:sp>
+    </p:spTree>
+    <p:extLst>
+      <p:ext uri="{BB962C8B-B14F-4D97-AF65-F5344CB8AC3E}">
+        <p14:creationId xmlns:p14="http://schemas.microsoft.com/office/powerpoint/2010/main" val="3656448858"/>
+      </p:ext>
+    </p:extLst>
+  </p:cSld>
+  <p:clrMapOvr>
+    <a:masterClrMapping/>
+  </p:clrMapOvr>
+</p:notes>
+</file>
+
+<file path=ppt/notesSlides/notesSlide3.xml><?xml version="1.0" encoding="utf-8"?>
+<p:notes xmlns:a="http://schemas.openxmlformats.org/drawingml/2006/main" xmlns:r="http://schemas.openxmlformats.org/officeDocument/2006/relationships" xmlns:p="http://schemas.openxmlformats.org/presentationml/2006/main">
+  <p:cSld>
+    <p:spTree>
+      <p:nvGrpSpPr>
+        <p:cNvPr id="1" name=""/>
+        <p:cNvGrpSpPr/>
+        <p:nvPr/>
+      </p:nvGrpSpPr>
+      <p:grpSpPr>
+        <a:xfrm>
+          <a:off x="0" y="0"/>
+          <a:ext cx="0" cy="0"/>
+          <a:chOff x="0" y="0"/>
+          <a:chExt cx="0" cy="0"/>
+        </a:xfrm>
+      </p:grpSpPr>
+      <p:sp>
+        <p:nvSpPr>
+          <p:cNvPr id="2" name="投影片影像版面配置區 1"/>
+          <p:cNvSpPr>
+            <a:spLocks noGrp="1" noRot="1" noChangeAspect="1"/>
+          </p:cNvSpPr>
+          <p:nvPr>
+            <p:ph type="sldImg"/>
+          </p:nvPr>
+        </p:nvSpPr>
+        <p:spPr/>
+      </p:sp>
+      <p:sp>
+        <p:nvSpPr>
+          <p:cNvPr id="3" name="備忘稿版面配置區 2"/>
+          <p:cNvSpPr>
+            <a:spLocks noGrp="1"/>
+          </p:cNvSpPr>
+          <p:nvPr>
+            <p:ph type="body" idx="1"/>
+          </p:nvPr>
+        </p:nvSpPr>
+        <p:spPr/>
+        <p:txBody>
+          <a:bodyPr/>
+          <a:lstStyle/>
+          <a:p>
+            <a:pPr marL="0" marR="0" lvl="0" indent="0" algn="l" defTabSz="914400" rtl="0" eaLnBrk="1" fontAlgn="auto" latinLnBrk="0" hangingPunct="1">
+              <a:lnSpc>
+                <a:spcPct val="100000"/>
+              </a:lnSpc>
+              <a:spcBef>
+                <a:spcPts val="0"/>
+              </a:spcBef>
+              <a:spcAft>
+                <a:spcPts val="0"/>
+              </a:spcAft>
+              <a:buClrTx/>
+              <a:buSzTx/>
+              <a:buFontTx/>
+              <a:buNone/>
+              <a:tabLst/>
+              <a:defRPr/>
+            </a:pPr>
+            <a:r>
+              <a:rPr lang="zh-TW" altLang="en-US" sz="1200" b="0" i="0" kern="1200" dirty="0">
+                <a:solidFill>
+                  <a:schemeClr val="tx1"/>
+                </a:solidFill>
+                <a:effectLst/>
+                <a:highlight>
+                  <a:srgbClr val="1B1A19"/>
+                </a:highlight>
+                <a:latin typeface="+mn-lt"/>
+                <a:ea typeface="+mn-ea"/>
+                <a:cs typeface="+mn-cs"/>
+              </a:rPr>
+              <a:t>日本</a:t>
+            </a:r>
+            <a:r>
+              <a:rPr lang="en-US" altLang="zh-TW" sz="1200" b="0" i="0" kern="1200" dirty="0">
+                <a:solidFill>
+                  <a:schemeClr val="tx1"/>
+                </a:solidFill>
+                <a:effectLst/>
+                <a:highlight>
+                  <a:srgbClr val="1B1A19"/>
+                </a:highlight>
+                <a:latin typeface="+mn-lt"/>
+                <a:ea typeface="+mn-ea"/>
+                <a:cs typeface="+mn-cs"/>
+              </a:rPr>
+              <a:t>2D</a:t>
+            </a:r>
+            <a:r>
+              <a:rPr lang="zh-TW" altLang="en-US" sz="1200" b="0" i="0" kern="1200" dirty="0">
+                <a:solidFill>
+                  <a:schemeClr val="tx1"/>
+                </a:solidFill>
+                <a:effectLst/>
+                <a:highlight>
+                  <a:srgbClr val="1B1A19"/>
+                </a:highlight>
+                <a:latin typeface="+mn-lt"/>
+                <a:ea typeface="+mn-ea"/>
+                <a:cs typeface="+mn-cs"/>
+              </a:rPr>
+              <a:t>動漫風格的男生 白髮 背景幫我改成電競房 男生手受傷</a:t>
+            </a:r>
+            <a:endParaRPr lang="en-US" altLang="zh-TW" sz="1200" b="0" i="0" kern="1200" dirty="0">
+              <a:solidFill>
+                <a:schemeClr val="tx1"/>
+              </a:solidFill>
+              <a:effectLst/>
+              <a:highlight>
+                <a:srgbClr val="1B1A19"/>
+              </a:highlight>
+              <a:latin typeface="+mn-lt"/>
+              <a:ea typeface="+mn-ea"/>
+              <a:cs typeface="+mn-cs"/>
+            </a:endParaRPr>
+          </a:p>
+          <a:p>
+            <a:endParaRPr lang="en-US" altLang="zh-TW" b="1" i="0" dirty="0">
+              <a:solidFill>
+                <a:srgbClr val="FFFFFF"/>
+              </a:solidFill>
+              <a:effectLst/>
+              <a:highlight>
+                <a:srgbClr val="1B1A19"/>
+              </a:highlight>
+              <a:latin typeface="Roboto" panose="02000000000000000000" pitchFamily="2" charset="0"/>
+            </a:endParaRPr>
+          </a:p>
+          <a:p>
+            <a:pPr marL="0" marR="0" lvl="0" indent="0" algn="l" defTabSz="914400" rtl="0" eaLnBrk="1" fontAlgn="auto" latinLnBrk="0" hangingPunct="1">
+              <a:lnSpc>
+                <a:spcPct val="100000"/>
+              </a:lnSpc>
+              <a:spcBef>
+                <a:spcPts val="0"/>
+              </a:spcBef>
+              <a:spcAft>
+                <a:spcPts val="0"/>
+              </a:spcAft>
+              <a:buClrTx/>
+              <a:buSzTx/>
+              <a:buFontTx/>
+              <a:buNone/>
+              <a:tabLst/>
+              <a:defRPr/>
+            </a:pPr>
+            <a:endParaRPr lang="zh-TW" altLang="en-US" sz="1200" b="1" dirty="0">
+              <a:latin typeface="微軟正黑體" panose="020B0604030504040204" pitchFamily="34" charset="-120"/>
+              <a:ea typeface="微軟正黑體" panose="020B0604030504040204" pitchFamily="34" charset="-120"/>
+            </a:endParaRPr>
+          </a:p>
+          <a:p>
+            <a:endParaRPr lang="zh-TW" altLang="en-US" dirty="0"/>
+          </a:p>
+        </p:txBody>
+      </p:sp>
+      <p:sp>
+        <p:nvSpPr>
+          <p:cNvPr id="4" name="投影片編號版面配置區 3"/>
+          <p:cNvSpPr>
+            <a:spLocks noGrp="1"/>
+          </p:cNvSpPr>
+          <p:nvPr>
+            <p:ph type="sldNum" sz="quarter" idx="5"/>
+          </p:nvPr>
+        </p:nvSpPr>
+        <p:spPr/>
+        <p:txBody>
+          <a:bodyPr/>
+          <a:lstStyle/>
+          <a:p>
+            <a:fld id="{B487413E-1054-4680-9ADE-03C02C3A6B41}" type="slidenum">
+              <a:rPr lang="zh-TW" altLang="en-US" smtClean="0"/>
+              <a:t>3</a:t>
+            </a:fld>
+            <a:endParaRPr lang="zh-TW" altLang="en-US"/>
+          </a:p>
+        </p:txBody>
+      </p:sp>
+    </p:spTree>
+    <p:extLst>
+      <p:ext uri="{BB962C8B-B14F-4D97-AF65-F5344CB8AC3E}">
+        <p14:creationId xmlns:p14="http://schemas.microsoft.com/office/powerpoint/2010/main" val="3534407262"/>
+      </p:ext>
+    </p:extLst>
+  </p:cSld>
+  <p:clrMapOvr>
+    <a:masterClrMapping/>
+  </p:clrMapOvr>
+</p:notes>
+</file>
+
+<file path=ppt/notesSlides/notesSlide4.xml><?xml version="1.0" encoding="utf-8"?>
+<p:notes xmlns:a="http://schemas.openxmlformats.org/drawingml/2006/main" xmlns:r="http://schemas.openxmlformats.org/officeDocument/2006/relationships" xmlns:p="http://schemas.openxmlformats.org/presentationml/2006/main">
+  <p:cSld>
+    <p:spTree>
+      <p:nvGrpSpPr>
+        <p:cNvPr id="1" name=""/>
+        <p:cNvGrpSpPr/>
+        <p:nvPr/>
+      </p:nvGrpSpPr>
+      <p:grpSpPr>
+        <a:xfrm>
+          <a:off x="0" y="0"/>
+          <a:ext cx="0" cy="0"/>
+          <a:chOff x="0" y="0"/>
+          <a:chExt cx="0" cy="0"/>
+        </a:xfrm>
+      </p:grpSpPr>
+      <p:sp>
+        <p:nvSpPr>
+          <p:cNvPr id="2" name="投影片影像版面配置區 1"/>
+          <p:cNvSpPr>
+            <a:spLocks noGrp="1" noRot="1" noChangeAspect="1"/>
+          </p:cNvSpPr>
+          <p:nvPr>
+            <p:ph type="sldImg"/>
+          </p:nvPr>
+        </p:nvSpPr>
+        <p:spPr/>
+      </p:sp>
+      <p:sp>
+        <p:nvSpPr>
+          <p:cNvPr id="3" name="備忘稿版面配置區 2"/>
+          <p:cNvSpPr>
+            <a:spLocks noGrp="1"/>
+          </p:cNvSpPr>
+          <p:nvPr>
+            <p:ph type="body" idx="1"/>
+          </p:nvPr>
+        </p:nvSpPr>
+        <p:spPr/>
+        <p:txBody>
+          <a:bodyPr/>
+          <a:lstStyle/>
+          <a:p>
+            <a:pPr marL="0" marR="0" lvl="0" indent="0" algn="l" defTabSz="914400" rtl="0" eaLnBrk="1" fontAlgn="auto" latinLnBrk="0" hangingPunct="1">
+              <a:lnSpc>
+                <a:spcPct val="100000"/>
+              </a:lnSpc>
+              <a:spcBef>
+                <a:spcPts val="0"/>
+              </a:spcBef>
+              <a:spcAft>
+                <a:spcPts val="0"/>
+              </a:spcAft>
+              <a:buClrTx/>
+              <a:buSzTx/>
+              <a:buFontTx/>
+              <a:buNone/>
+              <a:tabLst/>
+              <a:defRPr/>
+            </a:pPr>
+            <a:r>
+              <a:rPr lang="zh-TW" altLang="en-US" sz="1200" b="0" i="0" kern="1200" dirty="0">
+                <a:solidFill>
+                  <a:schemeClr val="tx1"/>
+                </a:solidFill>
+                <a:effectLst/>
+                <a:highlight>
+                  <a:srgbClr val="1B1A19"/>
+                </a:highlight>
+                <a:latin typeface="+mn-lt"/>
+                <a:ea typeface="+mn-ea"/>
+                <a:cs typeface="+mn-cs"/>
+              </a:rPr>
+              <a:t>日本</a:t>
+            </a:r>
+            <a:r>
+              <a:rPr lang="en-US" altLang="zh-TW" sz="1200" b="0" i="0" kern="1200" dirty="0">
+                <a:solidFill>
+                  <a:schemeClr val="tx1"/>
+                </a:solidFill>
+                <a:effectLst/>
+                <a:highlight>
+                  <a:srgbClr val="1B1A19"/>
+                </a:highlight>
+                <a:latin typeface="+mn-lt"/>
+                <a:ea typeface="+mn-ea"/>
+                <a:cs typeface="+mn-cs"/>
+              </a:rPr>
+              <a:t>2D</a:t>
+            </a:r>
+            <a:r>
+              <a:rPr lang="zh-TW" altLang="en-US" sz="1200" b="0" i="0" kern="1200" dirty="0">
+                <a:solidFill>
+                  <a:schemeClr val="tx1"/>
+                </a:solidFill>
+                <a:effectLst/>
+                <a:highlight>
+                  <a:srgbClr val="1B1A19"/>
+                </a:highlight>
+                <a:latin typeface="+mn-lt"/>
+                <a:ea typeface="+mn-ea"/>
+                <a:cs typeface="+mn-cs"/>
+              </a:rPr>
+              <a:t>動漫風格的男生 白髮 背景幫我改成電競房 男生手受傷 努力練習</a:t>
+            </a:r>
+            <a:endParaRPr lang="en-US" altLang="zh-TW" sz="1200" b="0" i="0" kern="1200" dirty="0">
+              <a:solidFill>
+                <a:schemeClr val="tx1"/>
+              </a:solidFill>
+              <a:effectLst/>
+              <a:highlight>
+                <a:srgbClr val="1B1A19"/>
+              </a:highlight>
+              <a:latin typeface="+mn-lt"/>
+              <a:ea typeface="+mn-ea"/>
+              <a:cs typeface="+mn-cs"/>
+            </a:endParaRPr>
+          </a:p>
+          <a:p>
+            <a:endParaRPr lang="zh-TW" altLang="en-US" dirty="0"/>
+          </a:p>
+        </p:txBody>
+      </p:sp>
+      <p:sp>
+        <p:nvSpPr>
+          <p:cNvPr id="4" name="投影片編號版面配置區 3"/>
+          <p:cNvSpPr>
+            <a:spLocks noGrp="1"/>
+          </p:cNvSpPr>
+          <p:nvPr>
+            <p:ph type="sldNum" sz="quarter" idx="5"/>
+          </p:nvPr>
+        </p:nvSpPr>
+        <p:spPr/>
+        <p:txBody>
+          <a:bodyPr/>
+          <a:lstStyle/>
+          <a:p>
+            <a:fld id="{B487413E-1054-4680-9ADE-03C02C3A6B41}" type="slidenum">
+              <a:rPr lang="zh-TW" altLang="en-US" smtClean="0"/>
+              <a:t>4</a:t>
+            </a:fld>
+            <a:endParaRPr lang="zh-TW" altLang="en-US"/>
+          </a:p>
+        </p:txBody>
+      </p:sp>
+    </p:spTree>
+    <p:extLst>
+      <p:ext uri="{BB962C8B-B14F-4D97-AF65-F5344CB8AC3E}">
+        <p14:creationId xmlns:p14="http://schemas.microsoft.com/office/powerpoint/2010/main" val="2794074744"/>
+      </p:ext>
+    </p:extLst>
+  </p:cSld>
+  <p:clrMapOvr>
+    <a:masterClrMapping/>
+  </p:clrMapOvr>
+</p:notes>
+</file>
+
+<file path=ppt/notesSlides/notesSlide5.xml><?xml version="1.0" encoding="utf-8"?>
+<p:notes xmlns:a="http://schemas.openxmlformats.org/drawingml/2006/main" xmlns:r="http://schemas.openxmlformats.org/officeDocument/2006/relationships" xmlns:p="http://schemas.openxmlformats.org/presentationml/2006/main">
+  <p:cSld>
+    <p:spTree>
+      <p:nvGrpSpPr>
+        <p:cNvPr id="1" name=""/>
+        <p:cNvGrpSpPr/>
+        <p:nvPr/>
+      </p:nvGrpSpPr>
+      <p:grpSpPr>
+        <a:xfrm>
+          <a:off x="0" y="0"/>
+          <a:ext cx="0" cy="0"/>
+          <a:chOff x="0" y="0"/>
+          <a:chExt cx="0" cy="0"/>
+        </a:xfrm>
+      </p:grpSpPr>
+      <p:sp>
+        <p:nvSpPr>
+          <p:cNvPr id="2" name="投影片影像版面配置區 1"/>
+          <p:cNvSpPr>
+            <a:spLocks noGrp="1" noRot="1" noChangeAspect="1"/>
+          </p:cNvSpPr>
+          <p:nvPr>
+            <p:ph type="sldImg"/>
+          </p:nvPr>
+        </p:nvSpPr>
+        <p:spPr/>
+      </p:sp>
+      <p:sp>
+        <p:nvSpPr>
+          <p:cNvPr id="3" name="備忘稿版面配置區 2"/>
+          <p:cNvSpPr>
+            <a:spLocks noGrp="1"/>
+          </p:cNvSpPr>
+          <p:nvPr>
+            <p:ph type="body" idx="1"/>
+          </p:nvPr>
+        </p:nvSpPr>
+        <p:spPr/>
+        <p:txBody>
+          <a:bodyPr/>
+          <a:lstStyle/>
+          <a:p>
+            <a:pPr marL="0" marR="0" lvl="0" indent="0" algn="l" defTabSz="914400" rtl="0" eaLnBrk="1" fontAlgn="auto" latinLnBrk="0" hangingPunct="1">
+              <a:lnSpc>
+                <a:spcPct val="100000"/>
+              </a:lnSpc>
+              <a:spcBef>
+                <a:spcPts val="0"/>
+              </a:spcBef>
+              <a:spcAft>
+                <a:spcPts val="0"/>
+              </a:spcAft>
+              <a:buClrTx/>
+              <a:buSzTx/>
+              <a:buFontTx/>
+              <a:buNone/>
+              <a:tabLst/>
+              <a:defRPr/>
+            </a:pPr>
+            <a:r>
+              <a:rPr lang="zh-TW" altLang="en-US" sz="1200" b="0" i="0" kern="1200" dirty="0">
+                <a:solidFill>
+                  <a:schemeClr val="tx1"/>
+                </a:solidFill>
+                <a:effectLst/>
+                <a:highlight>
+                  <a:srgbClr val="1B1A19"/>
+                </a:highlight>
+                <a:latin typeface="+mn-lt"/>
+                <a:ea typeface="+mn-ea"/>
+                <a:cs typeface="+mn-cs"/>
+              </a:rPr>
+              <a:t>日本</a:t>
+            </a:r>
+            <a:r>
+              <a:rPr lang="en-US" altLang="zh-TW" sz="1200" b="0" i="0" kern="1200" dirty="0">
+                <a:solidFill>
+                  <a:schemeClr val="tx1"/>
+                </a:solidFill>
+                <a:effectLst/>
+                <a:highlight>
+                  <a:srgbClr val="1B1A19"/>
+                </a:highlight>
+                <a:latin typeface="+mn-lt"/>
+                <a:ea typeface="+mn-ea"/>
+                <a:cs typeface="+mn-cs"/>
+              </a:rPr>
+              <a:t>2D</a:t>
+            </a:r>
+            <a:r>
+              <a:rPr lang="zh-TW" altLang="en-US" sz="1200" b="0" i="0" kern="1200" dirty="0">
+                <a:solidFill>
+                  <a:schemeClr val="tx1"/>
+                </a:solidFill>
+                <a:effectLst/>
+                <a:highlight>
+                  <a:srgbClr val="1B1A19"/>
+                </a:highlight>
+                <a:latin typeface="+mn-lt"/>
+                <a:ea typeface="+mn-ea"/>
+                <a:cs typeface="+mn-cs"/>
+              </a:rPr>
+              <a:t>動漫風格的男生 白髮 背景幫我改成電競房 男生身上掛獎牌</a:t>
+            </a:r>
+            <a:endParaRPr lang="zh-TW" altLang="en-US" dirty="0"/>
+          </a:p>
+        </p:txBody>
+      </p:sp>
+      <p:sp>
+        <p:nvSpPr>
+          <p:cNvPr id="4" name="投影片編號版面配置區 3"/>
+          <p:cNvSpPr>
+            <a:spLocks noGrp="1"/>
+          </p:cNvSpPr>
+          <p:nvPr>
+            <p:ph type="sldNum" sz="quarter" idx="5"/>
+          </p:nvPr>
+        </p:nvSpPr>
+        <p:spPr/>
+        <p:txBody>
+          <a:bodyPr/>
+          <a:lstStyle/>
+          <a:p>
+            <a:fld id="{B487413E-1054-4680-9ADE-03C02C3A6B41}" type="slidenum">
+              <a:rPr lang="zh-TW" altLang="en-US" smtClean="0"/>
+              <a:t>5</a:t>
+            </a:fld>
+            <a:endParaRPr lang="zh-TW" altLang="en-US"/>
+          </a:p>
+        </p:txBody>
+      </p:sp>
+    </p:spTree>
+    <p:extLst>
+      <p:ext uri="{BB962C8B-B14F-4D97-AF65-F5344CB8AC3E}">
+        <p14:creationId xmlns:p14="http://schemas.microsoft.com/office/powerpoint/2010/main" val="3408294572"/>
+      </p:ext>
+    </p:extLst>
+  </p:cSld>
+  <p:clrMapOvr>
+    <a:masterClrMapping/>
+  </p:clrMapOvr>
+</p:notes>
+</file>
+
+<file path=ppt/notesSlides/notesSlide6.xml><?xml version="1.0" encoding="utf-8"?>
+<p:notes xmlns:a="http://schemas.openxmlformats.org/drawingml/2006/main" xmlns:r="http://schemas.openxmlformats.org/officeDocument/2006/relationships" xmlns:p="http://schemas.openxmlformats.org/presentationml/2006/main">
+  <p:cSld>
+    <p:spTree>
+      <p:nvGrpSpPr>
+        <p:cNvPr id="1" name=""/>
+        <p:cNvGrpSpPr/>
+        <p:nvPr/>
+      </p:nvGrpSpPr>
+      <p:grpSpPr>
+        <a:xfrm>
+          <a:off x="0" y="0"/>
+          <a:ext cx="0" cy="0"/>
+          <a:chOff x="0" y="0"/>
+          <a:chExt cx="0" cy="0"/>
+        </a:xfrm>
+      </p:grpSpPr>
+      <p:sp>
+        <p:nvSpPr>
+          <p:cNvPr id="2" name="投影片影像版面配置區 1"/>
+          <p:cNvSpPr>
+            <a:spLocks noGrp="1" noRot="1" noChangeAspect="1"/>
+          </p:cNvSpPr>
+          <p:nvPr>
+            <p:ph type="sldImg"/>
+          </p:nvPr>
+        </p:nvSpPr>
+        <p:spPr/>
+      </p:sp>
+      <p:sp>
+        <p:nvSpPr>
+          <p:cNvPr id="3" name="備忘稿版面配置區 2"/>
+          <p:cNvSpPr>
+            <a:spLocks noGrp="1"/>
+          </p:cNvSpPr>
+          <p:nvPr>
+            <p:ph type="body" idx="1"/>
+          </p:nvPr>
+        </p:nvSpPr>
+        <p:spPr/>
+        <p:txBody>
+          <a:bodyPr/>
+          <a:lstStyle/>
+          <a:p>
+            <a:pPr marL="0" marR="0" lvl="0" indent="0" algn="l" defTabSz="914400" rtl="0" eaLnBrk="1" fontAlgn="auto" latinLnBrk="0" hangingPunct="1">
+              <a:lnSpc>
+                <a:spcPct val="100000"/>
+              </a:lnSpc>
+              <a:spcBef>
+                <a:spcPts val="0"/>
+              </a:spcBef>
+              <a:spcAft>
+                <a:spcPts val="0"/>
+              </a:spcAft>
+              <a:buClrTx/>
+              <a:buSzTx/>
+              <a:buFontTx/>
+              <a:buNone/>
+              <a:tabLst/>
+              <a:defRPr/>
+            </a:pPr>
+            <a:r>
+              <a:rPr lang="zh-TW" altLang="en-US" sz="1200" b="0" i="0" kern="1200" dirty="0">
+                <a:solidFill>
+                  <a:schemeClr val="tx1"/>
+                </a:solidFill>
+                <a:effectLst/>
+                <a:highlight>
+                  <a:srgbClr val="1B1A19"/>
+                </a:highlight>
+                <a:latin typeface="+mn-lt"/>
+                <a:ea typeface="+mn-ea"/>
+                <a:cs typeface="+mn-cs"/>
+              </a:rPr>
+              <a:t>日本</a:t>
+            </a:r>
+            <a:r>
+              <a:rPr lang="en-US" altLang="zh-TW" sz="1200" b="0" i="0" kern="1200" dirty="0">
+                <a:solidFill>
+                  <a:schemeClr val="tx1"/>
+                </a:solidFill>
+                <a:effectLst/>
+                <a:highlight>
+                  <a:srgbClr val="1B1A19"/>
+                </a:highlight>
+                <a:latin typeface="+mn-lt"/>
+                <a:ea typeface="+mn-ea"/>
+                <a:cs typeface="+mn-cs"/>
+              </a:rPr>
+              <a:t>2D</a:t>
+            </a:r>
+            <a:r>
+              <a:rPr lang="zh-TW" altLang="en-US" sz="1200" b="0" i="0" kern="1200" dirty="0">
+                <a:solidFill>
+                  <a:schemeClr val="tx1"/>
+                </a:solidFill>
+                <a:effectLst/>
+                <a:highlight>
+                  <a:srgbClr val="1B1A19"/>
+                </a:highlight>
+                <a:latin typeface="+mn-lt"/>
+                <a:ea typeface="+mn-ea"/>
+                <a:cs typeface="+mn-cs"/>
+              </a:rPr>
+              <a:t>動漫風格的男生 白髮 跟隊友一起比賽 表情不開心</a:t>
+            </a:r>
+            <a:endParaRPr lang="zh-TW" altLang="en-US" dirty="0"/>
+          </a:p>
+        </p:txBody>
+      </p:sp>
+      <p:sp>
+        <p:nvSpPr>
+          <p:cNvPr id="4" name="投影片編號版面配置區 3"/>
+          <p:cNvSpPr>
+            <a:spLocks noGrp="1"/>
+          </p:cNvSpPr>
+          <p:nvPr>
+            <p:ph type="sldNum" sz="quarter" idx="5"/>
+          </p:nvPr>
+        </p:nvSpPr>
+        <p:spPr/>
+        <p:txBody>
+          <a:bodyPr/>
+          <a:lstStyle/>
+          <a:p>
+            <a:fld id="{B487413E-1054-4680-9ADE-03C02C3A6B41}" type="slidenum">
+              <a:rPr lang="zh-TW" altLang="en-US" smtClean="0"/>
+              <a:t>6</a:t>
+            </a:fld>
+            <a:endParaRPr lang="zh-TW" altLang="en-US"/>
+          </a:p>
+        </p:txBody>
+      </p:sp>
+    </p:spTree>
+    <p:extLst>
+      <p:ext uri="{BB962C8B-B14F-4D97-AF65-F5344CB8AC3E}">
+        <p14:creationId xmlns:p14="http://schemas.microsoft.com/office/powerpoint/2010/main" val="1112423558"/>
+      </p:ext>
+    </p:extLst>
+  </p:cSld>
+  <p:clrMapOvr>
+    <a:masterClrMapping/>
+  </p:clrMapOvr>
+</p:notes>
+</file>
+
+<file path=ppt/notesSlides/notesSlide7.xml><?xml version="1.0" encoding="utf-8"?>
+<p:notes xmlns:a="http://schemas.openxmlformats.org/drawingml/2006/main" xmlns:r="http://schemas.openxmlformats.org/officeDocument/2006/relationships" xmlns:p="http://schemas.openxmlformats.org/presentationml/2006/main">
+  <p:cSld>
+    <p:spTree>
+      <p:nvGrpSpPr>
+        <p:cNvPr id="1" name=""/>
+        <p:cNvGrpSpPr/>
+        <p:nvPr/>
+      </p:nvGrpSpPr>
+      <p:grpSpPr>
+        <a:xfrm>
+          <a:off x="0" y="0"/>
+          <a:ext cx="0" cy="0"/>
+          <a:chOff x="0" y="0"/>
+          <a:chExt cx="0" cy="0"/>
+        </a:xfrm>
+      </p:grpSpPr>
+      <p:sp>
+        <p:nvSpPr>
+          <p:cNvPr id="2" name="投影片影像版面配置區 1"/>
+          <p:cNvSpPr>
+            <a:spLocks noGrp="1" noRot="1" noChangeAspect="1"/>
+          </p:cNvSpPr>
+          <p:nvPr>
+            <p:ph type="sldImg"/>
+          </p:nvPr>
+        </p:nvSpPr>
+        <p:spPr/>
+      </p:sp>
+      <p:sp>
+        <p:nvSpPr>
+          <p:cNvPr id="3" name="備忘稿版面配置區 2"/>
+          <p:cNvSpPr>
+            <a:spLocks noGrp="1"/>
+          </p:cNvSpPr>
+          <p:nvPr>
+            <p:ph type="body" idx="1"/>
+          </p:nvPr>
+        </p:nvSpPr>
+        <p:spPr/>
+        <p:txBody>
+          <a:bodyPr/>
+          <a:lstStyle/>
+          <a:p>
+            <a:pPr marL="0" marR="0" lvl="0" indent="0" algn="l" defTabSz="914400" rtl="0" eaLnBrk="1" fontAlgn="auto" latinLnBrk="0" hangingPunct="1">
+              <a:lnSpc>
+                <a:spcPct val="100000"/>
+              </a:lnSpc>
+              <a:spcBef>
+                <a:spcPts val="0"/>
+              </a:spcBef>
+              <a:spcAft>
+                <a:spcPts val="0"/>
+              </a:spcAft>
+              <a:buClrTx/>
+              <a:buSzTx/>
+              <a:buFontTx/>
+              <a:buNone/>
+              <a:tabLst/>
+              <a:defRPr/>
+            </a:pPr>
+            <a:r>
+              <a:rPr lang="zh-TW" altLang="en-US" sz="1200" b="0" i="0" kern="1200" dirty="0">
+                <a:solidFill>
+                  <a:schemeClr val="tx1"/>
+                </a:solidFill>
+                <a:effectLst/>
+                <a:latin typeface="+mn-lt"/>
+                <a:ea typeface="+mn-ea"/>
+                <a:cs typeface="+mn-cs"/>
+              </a:rPr>
+              <a:t>日本</a:t>
+            </a:r>
+            <a:r>
+              <a:rPr lang="en-US" altLang="zh-TW" sz="1200" b="0" i="0" kern="1200" dirty="0">
+                <a:solidFill>
+                  <a:schemeClr val="tx1"/>
+                </a:solidFill>
+                <a:effectLst/>
+                <a:latin typeface="+mn-lt"/>
+                <a:ea typeface="+mn-ea"/>
+                <a:cs typeface="+mn-cs"/>
+              </a:rPr>
+              <a:t>2D</a:t>
+            </a:r>
+            <a:r>
+              <a:rPr lang="zh-TW" altLang="en-US" sz="1200" b="0" i="0" kern="1200" dirty="0">
+                <a:solidFill>
+                  <a:schemeClr val="tx1"/>
+                </a:solidFill>
+                <a:effectLst/>
+                <a:latin typeface="+mn-lt"/>
+                <a:ea typeface="+mn-ea"/>
+                <a:cs typeface="+mn-cs"/>
+              </a:rPr>
+              <a:t>動漫風格的男生 白髮 背景幫我改成電競房 男生跟隊友一起努力練習</a:t>
+            </a:r>
+            <a:endParaRPr lang="zh-TW" altLang="en-US" dirty="0"/>
+          </a:p>
+        </p:txBody>
+      </p:sp>
+      <p:sp>
+        <p:nvSpPr>
+          <p:cNvPr id="4" name="投影片編號版面配置區 3"/>
+          <p:cNvSpPr>
+            <a:spLocks noGrp="1"/>
+          </p:cNvSpPr>
+          <p:nvPr>
+            <p:ph type="sldNum" sz="quarter" idx="5"/>
+          </p:nvPr>
+        </p:nvSpPr>
+        <p:spPr/>
+        <p:txBody>
+          <a:bodyPr/>
+          <a:lstStyle/>
+          <a:p>
+            <a:fld id="{B487413E-1054-4680-9ADE-03C02C3A6B41}" type="slidenum">
+              <a:rPr lang="zh-TW" altLang="en-US" smtClean="0"/>
+              <a:t>7</a:t>
+            </a:fld>
+            <a:endParaRPr lang="zh-TW" altLang="en-US"/>
+          </a:p>
+        </p:txBody>
+      </p:sp>
+    </p:spTree>
+    <p:extLst>
+      <p:ext uri="{BB962C8B-B14F-4D97-AF65-F5344CB8AC3E}">
+        <p14:creationId xmlns:p14="http://schemas.microsoft.com/office/powerpoint/2010/main" val="3050821391"/>
+      </p:ext>
+    </p:extLst>
+  </p:cSld>
+  <p:clrMapOvr>
+    <a:masterClrMapping/>
+  </p:clrMapOvr>
+</p:notes>
+</file>
+
+<file path=ppt/notesSlides/notesSlide8.xml><?xml version="1.0" encoding="utf-8"?>
+<p:notes xmlns:a="http://schemas.openxmlformats.org/drawingml/2006/main" xmlns:r="http://schemas.openxmlformats.org/officeDocument/2006/relationships" xmlns:p="http://schemas.openxmlformats.org/presentationml/2006/main">
+  <p:cSld>
+    <p:spTree>
+      <p:nvGrpSpPr>
+        <p:cNvPr id="1" name=""/>
+        <p:cNvGrpSpPr/>
+        <p:nvPr/>
+      </p:nvGrpSpPr>
+      <p:grpSpPr>
+        <a:xfrm>
+          <a:off x="0" y="0"/>
+          <a:ext cx="0" cy="0"/>
+          <a:chOff x="0" y="0"/>
+          <a:chExt cx="0" cy="0"/>
+        </a:xfrm>
+      </p:grpSpPr>
+      <p:sp>
+        <p:nvSpPr>
+          <p:cNvPr id="2" name="投影片影像版面配置區 1"/>
+          <p:cNvSpPr>
+            <a:spLocks noGrp="1" noRot="1" noChangeAspect="1"/>
+          </p:cNvSpPr>
+          <p:nvPr>
+            <p:ph type="sldImg"/>
+          </p:nvPr>
+        </p:nvSpPr>
+        <p:spPr/>
+      </p:sp>
+      <p:sp>
+        <p:nvSpPr>
+          <p:cNvPr id="3" name="備忘稿版面配置區 2"/>
+          <p:cNvSpPr>
+            <a:spLocks noGrp="1"/>
+          </p:cNvSpPr>
+          <p:nvPr>
+            <p:ph type="body" idx="1"/>
+          </p:nvPr>
+        </p:nvSpPr>
+        <p:spPr/>
+        <p:txBody>
+          <a:bodyPr/>
+          <a:lstStyle/>
+          <a:p>
+            <a:pPr marL="0" marR="0" lvl="0" indent="0" algn="l" defTabSz="914400" rtl="0" eaLnBrk="1" fontAlgn="auto" latinLnBrk="0" hangingPunct="1">
+              <a:lnSpc>
+                <a:spcPct val="100000"/>
+              </a:lnSpc>
+              <a:spcBef>
+                <a:spcPts val="0"/>
+              </a:spcBef>
+              <a:spcAft>
+                <a:spcPts val="0"/>
+              </a:spcAft>
+              <a:buClrTx/>
+              <a:buSzTx/>
+              <a:buFontTx/>
+              <a:buNone/>
+              <a:tabLst/>
+              <a:defRPr/>
+            </a:pPr>
+            <a:r>
+              <a:rPr lang="zh-TW" altLang="en-US" sz="1200" b="0" i="0" kern="1200">
+                <a:solidFill>
+                  <a:schemeClr val="tx1"/>
+                </a:solidFill>
+                <a:effectLst/>
+                <a:latin typeface="+mn-lt"/>
+                <a:ea typeface="+mn-ea"/>
+                <a:cs typeface="+mn-cs"/>
+              </a:rPr>
+              <a:t>日本</a:t>
+            </a:r>
+            <a:r>
+              <a:rPr lang="en-US" altLang="zh-TW" sz="1200" b="0" i="0" kern="1200" dirty="0">
+                <a:solidFill>
+                  <a:schemeClr val="tx1"/>
+                </a:solidFill>
+                <a:effectLst/>
+                <a:latin typeface="+mn-lt"/>
+                <a:ea typeface="+mn-ea"/>
+                <a:cs typeface="+mn-cs"/>
+              </a:rPr>
+              <a:t>2D</a:t>
+            </a:r>
+            <a:r>
+              <a:rPr lang="zh-TW" altLang="en-US" sz="1200" b="0" i="0" kern="1200" dirty="0">
+                <a:solidFill>
+                  <a:schemeClr val="tx1"/>
+                </a:solidFill>
+                <a:effectLst/>
+                <a:latin typeface="+mn-lt"/>
+                <a:ea typeface="+mn-ea"/>
+                <a:cs typeface="+mn-cs"/>
+              </a:rPr>
+              <a:t>動漫風格的男生 白髮 背景幫我改成電競房 男生跟隊友一起拿到冠軍</a:t>
+            </a:r>
+            <a:endParaRPr lang="zh-TW" altLang="en-US" dirty="0"/>
+          </a:p>
+        </p:txBody>
+      </p:sp>
+      <p:sp>
+        <p:nvSpPr>
+          <p:cNvPr id="4" name="投影片編號版面配置區 3"/>
+          <p:cNvSpPr>
+            <a:spLocks noGrp="1"/>
+          </p:cNvSpPr>
+          <p:nvPr>
+            <p:ph type="sldNum" sz="quarter" idx="5"/>
+          </p:nvPr>
+        </p:nvSpPr>
+        <p:spPr/>
+        <p:txBody>
+          <a:bodyPr/>
+          <a:lstStyle/>
+          <a:p>
+            <a:fld id="{B487413E-1054-4680-9ADE-03C02C3A6B41}" type="slidenum">
+              <a:rPr lang="zh-TW" altLang="en-US" smtClean="0"/>
+              <a:t>8</a:t>
+            </a:fld>
+            <a:endParaRPr lang="zh-TW" altLang="en-US"/>
+          </a:p>
+        </p:txBody>
+      </p:sp>
+    </p:spTree>
+    <p:extLst>
+      <p:ext uri="{BB962C8B-B14F-4D97-AF65-F5344CB8AC3E}">
+        <p14:creationId xmlns:p14="http://schemas.microsoft.com/office/powerpoint/2010/main" val="4196498937"/>
+      </p:ext>
+    </p:extLst>
+  </p:cSld>
+  <p:clrMapOvr>
+    <a:masterClrMapping/>
+  </p:clrMapOvr>
+</p:notes>
 </file>
 
 <file path=ppt/slideLayouts/slideLayout1.xml><?xml version="1.0" encoding="utf-8"?>
@@ -129,7 +1687,7 @@
           <p:cNvPr id="2" name="標題 1">
             <a:extLst>
               <a:ext uri="{FF2B5EF4-FFF2-40B4-BE49-F238E27FC236}">
-                <a16:creationId xmlns:a16="http://schemas.microsoft.com/office/drawing/2014/main" id="{EB5CC918-B447-434E-B98E-5847BB49C259}"/>
+                <a16:creationId xmlns:a16="http://schemas.microsoft.com/office/drawing/2014/main" id="{EB21021E-0496-76CE-E6ED-CB84BD63ADEA}"/>
               </a:ext>
             </a:extLst>
           </p:cNvPr>
@@ -166,7 +1724,7 @@
           <p:cNvPr id="3" name="副標題 2">
             <a:extLst>
               <a:ext uri="{FF2B5EF4-FFF2-40B4-BE49-F238E27FC236}">
-                <a16:creationId xmlns:a16="http://schemas.microsoft.com/office/drawing/2014/main" id="{817FCC70-CC4E-4CB6-B2CF-9FDA5AC4D346}"/>
+                <a16:creationId xmlns:a16="http://schemas.microsoft.com/office/drawing/2014/main" id="{3E5E71C6-236B-B960-C67D-8C08E39C9256}"/>
               </a:ext>
             </a:extLst>
           </p:cNvPr>
@@ -236,7 +1794,7 @@
           <p:cNvPr id="4" name="日期版面配置區 3">
             <a:extLst>
               <a:ext uri="{FF2B5EF4-FFF2-40B4-BE49-F238E27FC236}">
-                <a16:creationId xmlns:a16="http://schemas.microsoft.com/office/drawing/2014/main" id="{BD08F018-0004-4322-AD0F-E6E740964233}"/>
+                <a16:creationId xmlns:a16="http://schemas.microsoft.com/office/drawing/2014/main" id="{691BA5F4-77F0-9568-0B81-3BBA8A8B0F0D}"/>
               </a:ext>
             </a:extLst>
           </p:cNvPr>
@@ -252,9 +1810,9 @@
           <a:bodyPr/>
           <a:lstStyle/>
           <a:p>
-            <a:fld id="{C3C90D7E-32D6-4894-AE08-7BBB3E610FC9}" type="datetimeFigureOut">
+            <a:fld id="{91B02C7C-A34F-48D1-9321-C49279C28F5B}" type="datetimeFigureOut">
               <a:rPr lang="zh-TW" altLang="en-US" smtClean="0"/>
-              <a:t>2024/9/16</a:t>
+              <a:t>2024/10/31</a:t>
             </a:fld>
             <a:endParaRPr lang="zh-TW" altLang="en-US"/>
           </a:p>
@@ -265,7 +1823,7 @@
           <p:cNvPr id="5" name="頁尾版面配置區 4">
             <a:extLst>
               <a:ext uri="{FF2B5EF4-FFF2-40B4-BE49-F238E27FC236}">
-                <a16:creationId xmlns:a16="http://schemas.microsoft.com/office/drawing/2014/main" id="{30427B34-CB13-41C7-B2F2-CED9BDC5B595}"/>
+                <a16:creationId xmlns:a16="http://schemas.microsoft.com/office/drawing/2014/main" id="{A68F28F0-809A-4CCB-C882-F91CC0FE2768}"/>
               </a:ext>
             </a:extLst>
           </p:cNvPr>
@@ -290,7 +1848,7 @@
           <p:cNvPr id="6" name="投影片編號版面配置區 5">
             <a:extLst>
               <a:ext uri="{FF2B5EF4-FFF2-40B4-BE49-F238E27FC236}">
-                <a16:creationId xmlns:a16="http://schemas.microsoft.com/office/drawing/2014/main" id="{76FA962E-5B03-439A-928C-87366876542D}"/>
+                <a16:creationId xmlns:a16="http://schemas.microsoft.com/office/drawing/2014/main" id="{2934B187-DE98-0B95-E302-AA87AD922FA5}"/>
               </a:ext>
             </a:extLst>
           </p:cNvPr>
@@ -306,7 +1864,7 @@
           <a:bodyPr/>
           <a:lstStyle/>
           <a:p>
-            <a:fld id="{E31EC408-072F-4346-BD0A-D6AA5788A305}" type="slidenum">
+            <a:fld id="{B77F578A-E708-4FF5-8CD5-2CF99810E8A1}" type="slidenum">
               <a:rPr lang="zh-TW" altLang="en-US" smtClean="0"/>
               <a:t>‹#›</a:t>
             </a:fld>
@@ -317,7 +1875,7 @@
     </p:spTree>
     <p:extLst>
       <p:ext uri="{BB962C8B-B14F-4D97-AF65-F5344CB8AC3E}">
-        <p14:creationId xmlns:p14="http://schemas.microsoft.com/office/powerpoint/2010/main" val="2963035110"/>
+        <p14:creationId xmlns:p14="http://schemas.microsoft.com/office/powerpoint/2010/main" val="3428303176"/>
       </p:ext>
     </p:extLst>
   </p:cSld>
@@ -349,7 +1907,7 @@
           <p:cNvPr id="2" name="標題 1">
             <a:extLst>
               <a:ext uri="{FF2B5EF4-FFF2-40B4-BE49-F238E27FC236}">
-                <a16:creationId xmlns:a16="http://schemas.microsoft.com/office/drawing/2014/main" id="{A02F0018-7F8E-4206-A929-07CDC6B5F34A}"/>
+                <a16:creationId xmlns:a16="http://schemas.microsoft.com/office/drawing/2014/main" id="{EF72A8AB-3785-B36F-A730-4762528BDA4E}"/>
               </a:ext>
             </a:extLst>
           </p:cNvPr>
@@ -377,7 +1935,7 @@
           <p:cNvPr id="3" name="直排文字版面配置區 2">
             <a:extLst>
               <a:ext uri="{FF2B5EF4-FFF2-40B4-BE49-F238E27FC236}">
-                <a16:creationId xmlns:a16="http://schemas.microsoft.com/office/drawing/2014/main" id="{9B801E88-34C3-4545-A358-81F5614FED64}"/>
+                <a16:creationId xmlns:a16="http://schemas.microsoft.com/office/drawing/2014/main" id="{7EEA9FF6-035A-0862-E3A9-B0448DF5883D}"/>
               </a:ext>
             </a:extLst>
           </p:cNvPr>
@@ -434,7 +1992,7 @@
           <p:cNvPr id="4" name="日期版面配置區 3">
             <a:extLst>
               <a:ext uri="{FF2B5EF4-FFF2-40B4-BE49-F238E27FC236}">
-                <a16:creationId xmlns:a16="http://schemas.microsoft.com/office/drawing/2014/main" id="{60AFD716-8B99-4230-B55F-C8B88ECBB171}"/>
+                <a16:creationId xmlns:a16="http://schemas.microsoft.com/office/drawing/2014/main" id="{11465545-BC35-D429-262B-40A2EF7FAE07}"/>
               </a:ext>
             </a:extLst>
           </p:cNvPr>
@@ -450,9 +2008,9 @@
           <a:bodyPr/>
           <a:lstStyle/>
           <a:p>
-            <a:fld id="{C3C90D7E-32D6-4894-AE08-7BBB3E610FC9}" type="datetimeFigureOut">
+            <a:fld id="{91B02C7C-A34F-48D1-9321-C49279C28F5B}" type="datetimeFigureOut">
               <a:rPr lang="zh-TW" altLang="en-US" smtClean="0"/>
-              <a:t>2024/9/16</a:t>
+              <a:t>2024/10/31</a:t>
             </a:fld>
             <a:endParaRPr lang="zh-TW" altLang="en-US"/>
           </a:p>
@@ -463,7 +2021,7 @@
           <p:cNvPr id="5" name="頁尾版面配置區 4">
             <a:extLst>
               <a:ext uri="{FF2B5EF4-FFF2-40B4-BE49-F238E27FC236}">
-                <a16:creationId xmlns:a16="http://schemas.microsoft.com/office/drawing/2014/main" id="{EA374743-76D9-4BF8-A60C-2F50B2636A8A}"/>
+                <a16:creationId xmlns:a16="http://schemas.microsoft.com/office/drawing/2014/main" id="{6B91E46A-685A-043C-9E1F-A6D49124AD94}"/>
               </a:ext>
             </a:extLst>
           </p:cNvPr>
@@ -488,7 +2046,7 @@
           <p:cNvPr id="6" name="投影片編號版面配置區 5">
             <a:extLst>
               <a:ext uri="{FF2B5EF4-FFF2-40B4-BE49-F238E27FC236}">
-                <a16:creationId xmlns:a16="http://schemas.microsoft.com/office/drawing/2014/main" id="{00454594-6C11-4013-A666-A151E960EC9B}"/>
+                <a16:creationId xmlns:a16="http://schemas.microsoft.com/office/drawing/2014/main" id="{1B12A62C-3AA6-D077-8D31-67FE62BA0BF2}"/>
               </a:ext>
             </a:extLst>
           </p:cNvPr>
@@ -504,7 +2062,7 @@
           <a:bodyPr/>
           <a:lstStyle/>
           <a:p>
-            <a:fld id="{E31EC408-072F-4346-BD0A-D6AA5788A305}" type="slidenum">
+            <a:fld id="{B77F578A-E708-4FF5-8CD5-2CF99810E8A1}" type="slidenum">
               <a:rPr lang="zh-TW" altLang="en-US" smtClean="0"/>
               <a:t>‹#›</a:t>
             </a:fld>
@@ -515,7 +2073,7 @@
     </p:spTree>
     <p:extLst>
       <p:ext uri="{BB962C8B-B14F-4D97-AF65-F5344CB8AC3E}">
-        <p14:creationId xmlns:p14="http://schemas.microsoft.com/office/powerpoint/2010/main" val="188953001"/>
+        <p14:creationId xmlns:p14="http://schemas.microsoft.com/office/powerpoint/2010/main" val="17478298"/>
       </p:ext>
     </p:extLst>
   </p:cSld>
@@ -547,7 +2105,7 @@
           <p:cNvPr id="2" name="直排標題 1">
             <a:extLst>
               <a:ext uri="{FF2B5EF4-FFF2-40B4-BE49-F238E27FC236}">
-                <a16:creationId xmlns:a16="http://schemas.microsoft.com/office/drawing/2014/main" id="{70F760AC-E708-4605-85E2-7D0F424B3E29}"/>
+                <a16:creationId xmlns:a16="http://schemas.microsoft.com/office/drawing/2014/main" id="{E922537A-7005-79D9-0D79-68B42DF3F801}"/>
               </a:ext>
             </a:extLst>
           </p:cNvPr>
@@ -580,7 +2138,7 @@
           <p:cNvPr id="3" name="直排文字版面配置區 2">
             <a:extLst>
               <a:ext uri="{FF2B5EF4-FFF2-40B4-BE49-F238E27FC236}">
-                <a16:creationId xmlns:a16="http://schemas.microsoft.com/office/drawing/2014/main" id="{84BECF48-F3B6-4D47-82A8-C6AE92EDC2F0}"/>
+                <a16:creationId xmlns:a16="http://schemas.microsoft.com/office/drawing/2014/main" id="{9FB7589B-A09E-844E-8448-921B77BEAE5F}"/>
               </a:ext>
             </a:extLst>
           </p:cNvPr>
@@ -642,7 +2200,7 @@
           <p:cNvPr id="4" name="日期版面配置區 3">
             <a:extLst>
               <a:ext uri="{FF2B5EF4-FFF2-40B4-BE49-F238E27FC236}">
-                <a16:creationId xmlns:a16="http://schemas.microsoft.com/office/drawing/2014/main" id="{215DE52A-093E-4116-A2FE-F61BA999B89F}"/>
+                <a16:creationId xmlns:a16="http://schemas.microsoft.com/office/drawing/2014/main" id="{5D4BEE79-E9A1-49C5-F4F9-4282D3F011CC}"/>
               </a:ext>
             </a:extLst>
           </p:cNvPr>
@@ -658,9 +2216,9 @@
           <a:bodyPr/>
           <a:lstStyle/>
           <a:p>
-            <a:fld id="{C3C90D7E-32D6-4894-AE08-7BBB3E610FC9}" type="datetimeFigureOut">
+            <a:fld id="{91B02C7C-A34F-48D1-9321-C49279C28F5B}" type="datetimeFigureOut">
               <a:rPr lang="zh-TW" altLang="en-US" smtClean="0"/>
-              <a:t>2024/9/16</a:t>
+              <a:t>2024/10/31</a:t>
             </a:fld>
             <a:endParaRPr lang="zh-TW" altLang="en-US"/>
           </a:p>
@@ -671,7 +2229,7 @@
           <p:cNvPr id="5" name="頁尾版面配置區 4">
             <a:extLst>
               <a:ext uri="{FF2B5EF4-FFF2-40B4-BE49-F238E27FC236}">
-                <a16:creationId xmlns:a16="http://schemas.microsoft.com/office/drawing/2014/main" id="{34553FE1-A5D9-4070-AA9C-378F491D4677}"/>
+                <a16:creationId xmlns:a16="http://schemas.microsoft.com/office/drawing/2014/main" id="{37557CFB-D6D1-44EB-74C3-30DDC72F0CA9}"/>
               </a:ext>
             </a:extLst>
           </p:cNvPr>
@@ -696,7 +2254,7 @@
           <p:cNvPr id="6" name="投影片編號版面配置區 5">
             <a:extLst>
               <a:ext uri="{FF2B5EF4-FFF2-40B4-BE49-F238E27FC236}">
-                <a16:creationId xmlns:a16="http://schemas.microsoft.com/office/drawing/2014/main" id="{928EFDDC-5B11-4543-8144-518625EDA57F}"/>
+                <a16:creationId xmlns:a16="http://schemas.microsoft.com/office/drawing/2014/main" id="{CA6B3134-0B3B-64CD-0F31-BBBD96B4E86F}"/>
               </a:ext>
             </a:extLst>
           </p:cNvPr>
@@ -712,7 +2270,7 @@
           <a:bodyPr/>
           <a:lstStyle/>
           <a:p>
-            <a:fld id="{E31EC408-072F-4346-BD0A-D6AA5788A305}" type="slidenum">
+            <a:fld id="{B77F578A-E708-4FF5-8CD5-2CF99810E8A1}" type="slidenum">
               <a:rPr lang="zh-TW" altLang="en-US" smtClean="0"/>
               <a:t>‹#›</a:t>
             </a:fld>
@@ -723,7 +2281,7 @@
     </p:spTree>
     <p:extLst>
       <p:ext uri="{BB962C8B-B14F-4D97-AF65-F5344CB8AC3E}">
-        <p14:creationId xmlns:p14="http://schemas.microsoft.com/office/powerpoint/2010/main" val="2483123943"/>
+        <p14:creationId xmlns:p14="http://schemas.microsoft.com/office/powerpoint/2010/main" val="3414805901"/>
       </p:ext>
     </p:extLst>
   </p:cSld>
@@ -755,7 +2313,7 @@
           <p:cNvPr id="2" name="標題 1">
             <a:extLst>
               <a:ext uri="{FF2B5EF4-FFF2-40B4-BE49-F238E27FC236}">
-                <a16:creationId xmlns:a16="http://schemas.microsoft.com/office/drawing/2014/main" id="{A1BFCF4C-FB58-444C-B754-A594851E4C7B}"/>
+                <a16:creationId xmlns:a16="http://schemas.microsoft.com/office/drawing/2014/main" id="{E993D115-9805-5A7E-FD86-B18474FDD2B4}"/>
               </a:ext>
             </a:extLst>
           </p:cNvPr>
@@ -783,7 +2341,7 @@
           <p:cNvPr id="3" name="內容版面配置區 2">
             <a:extLst>
               <a:ext uri="{FF2B5EF4-FFF2-40B4-BE49-F238E27FC236}">
-                <a16:creationId xmlns:a16="http://schemas.microsoft.com/office/drawing/2014/main" id="{987C475D-648F-4511-A6FE-04B04F755F93}"/>
+                <a16:creationId xmlns:a16="http://schemas.microsoft.com/office/drawing/2014/main" id="{CE78B57B-3F19-4711-5162-36613F3360EA}"/>
               </a:ext>
             </a:extLst>
           </p:cNvPr>
@@ -840,7 +2398,7 @@
           <p:cNvPr id="4" name="日期版面配置區 3">
             <a:extLst>
               <a:ext uri="{FF2B5EF4-FFF2-40B4-BE49-F238E27FC236}">
-                <a16:creationId xmlns:a16="http://schemas.microsoft.com/office/drawing/2014/main" id="{F511FCF8-D8F7-4914-920F-D63F2D97F713}"/>
+                <a16:creationId xmlns:a16="http://schemas.microsoft.com/office/drawing/2014/main" id="{6FF8316C-1C28-5926-B959-2E2EEA6552BD}"/>
               </a:ext>
             </a:extLst>
           </p:cNvPr>
@@ -856,9 +2414,9 @@
           <a:bodyPr/>
           <a:lstStyle/>
           <a:p>
-            <a:fld id="{C3C90D7E-32D6-4894-AE08-7BBB3E610FC9}" type="datetimeFigureOut">
+            <a:fld id="{91B02C7C-A34F-48D1-9321-C49279C28F5B}" type="datetimeFigureOut">
               <a:rPr lang="zh-TW" altLang="en-US" smtClean="0"/>
-              <a:t>2024/9/16</a:t>
+              <a:t>2024/10/31</a:t>
             </a:fld>
             <a:endParaRPr lang="zh-TW" altLang="en-US"/>
           </a:p>
@@ -869,7 +2427,7 @@
           <p:cNvPr id="5" name="頁尾版面配置區 4">
             <a:extLst>
               <a:ext uri="{FF2B5EF4-FFF2-40B4-BE49-F238E27FC236}">
-                <a16:creationId xmlns:a16="http://schemas.microsoft.com/office/drawing/2014/main" id="{7E1D3E8F-338D-4B4D-B411-5282866FF95D}"/>
+                <a16:creationId xmlns:a16="http://schemas.microsoft.com/office/drawing/2014/main" id="{D14F5A08-C60D-E923-35D7-49A981F3DDE9}"/>
               </a:ext>
             </a:extLst>
           </p:cNvPr>
@@ -894,7 +2452,7 @@
           <p:cNvPr id="6" name="投影片編號版面配置區 5">
             <a:extLst>
               <a:ext uri="{FF2B5EF4-FFF2-40B4-BE49-F238E27FC236}">
-                <a16:creationId xmlns:a16="http://schemas.microsoft.com/office/drawing/2014/main" id="{F7DF3AD5-06B6-42D8-AEDF-66CCE6582524}"/>
+                <a16:creationId xmlns:a16="http://schemas.microsoft.com/office/drawing/2014/main" id="{CBB89FDB-A625-71FD-1146-B0D013AE81AB}"/>
               </a:ext>
             </a:extLst>
           </p:cNvPr>
@@ -910,7 +2468,7 @@
           <a:bodyPr/>
           <a:lstStyle/>
           <a:p>
-            <a:fld id="{E31EC408-072F-4346-BD0A-D6AA5788A305}" type="slidenum">
+            <a:fld id="{B77F578A-E708-4FF5-8CD5-2CF99810E8A1}" type="slidenum">
               <a:rPr lang="zh-TW" altLang="en-US" smtClean="0"/>
               <a:t>‹#›</a:t>
             </a:fld>
@@ -921,7 +2479,7 @@
     </p:spTree>
     <p:extLst>
       <p:ext uri="{BB962C8B-B14F-4D97-AF65-F5344CB8AC3E}">
-        <p14:creationId xmlns:p14="http://schemas.microsoft.com/office/powerpoint/2010/main" val="4198509733"/>
+        <p14:creationId xmlns:p14="http://schemas.microsoft.com/office/powerpoint/2010/main" val="460651244"/>
       </p:ext>
     </p:extLst>
   </p:cSld>
@@ -953,7 +2511,7 @@
           <p:cNvPr id="2" name="標題 1">
             <a:extLst>
               <a:ext uri="{FF2B5EF4-FFF2-40B4-BE49-F238E27FC236}">
-                <a16:creationId xmlns:a16="http://schemas.microsoft.com/office/drawing/2014/main" id="{5986B870-2B24-4658-9AEB-3C92E8E40B41}"/>
+                <a16:creationId xmlns:a16="http://schemas.microsoft.com/office/drawing/2014/main" id="{F0B6E4A3-BABD-6E12-DB28-6312FB65F4AC}"/>
               </a:ext>
             </a:extLst>
           </p:cNvPr>
@@ -990,7 +2548,7 @@
           <p:cNvPr id="3" name="文字版面配置區 2">
             <a:extLst>
               <a:ext uri="{FF2B5EF4-FFF2-40B4-BE49-F238E27FC236}">
-                <a16:creationId xmlns:a16="http://schemas.microsoft.com/office/drawing/2014/main" id="{90235018-E757-4630-8511-F466B919268F}"/>
+                <a16:creationId xmlns:a16="http://schemas.microsoft.com/office/drawing/2014/main" id="{AA03CEE1-B90E-F64C-955D-E0742A4C4257}"/>
               </a:ext>
             </a:extLst>
           </p:cNvPr>
@@ -1015,7 +2573,7 @@
               <a:defRPr sz="2400">
                 <a:solidFill>
                   <a:schemeClr val="tx1">
-                    <a:tint val="75000"/>
+                    <a:tint val="82000"/>
                   </a:schemeClr>
                 </a:solidFill>
               </a:defRPr>
@@ -1025,7 +2583,7 @@
               <a:defRPr sz="2000">
                 <a:solidFill>
                   <a:schemeClr val="tx1">
-                    <a:tint val="75000"/>
+                    <a:tint val="82000"/>
                   </a:schemeClr>
                 </a:solidFill>
               </a:defRPr>
@@ -1035,7 +2593,7 @@
               <a:defRPr sz="1800">
                 <a:solidFill>
                   <a:schemeClr val="tx1">
-                    <a:tint val="75000"/>
+                    <a:tint val="82000"/>
                   </a:schemeClr>
                 </a:solidFill>
               </a:defRPr>
@@ -1045,7 +2603,7 @@
               <a:defRPr sz="1600">
                 <a:solidFill>
                   <a:schemeClr val="tx1">
-                    <a:tint val="75000"/>
+                    <a:tint val="82000"/>
                   </a:schemeClr>
                 </a:solidFill>
               </a:defRPr>
@@ -1055,7 +2613,7 @@
               <a:defRPr sz="1600">
                 <a:solidFill>
                   <a:schemeClr val="tx1">
-                    <a:tint val="75000"/>
+                    <a:tint val="82000"/>
                   </a:schemeClr>
                 </a:solidFill>
               </a:defRPr>
@@ -1065,7 +2623,7 @@
               <a:defRPr sz="1600">
                 <a:solidFill>
                   <a:schemeClr val="tx1">
-                    <a:tint val="75000"/>
+                    <a:tint val="82000"/>
                   </a:schemeClr>
                 </a:solidFill>
               </a:defRPr>
@@ -1075,7 +2633,7 @@
               <a:defRPr sz="1600">
                 <a:solidFill>
                   <a:schemeClr val="tx1">
-                    <a:tint val="75000"/>
+                    <a:tint val="82000"/>
                   </a:schemeClr>
                 </a:solidFill>
               </a:defRPr>
@@ -1085,7 +2643,7 @@
               <a:defRPr sz="1600">
                 <a:solidFill>
                   <a:schemeClr val="tx1">
-                    <a:tint val="75000"/>
+                    <a:tint val="82000"/>
                   </a:schemeClr>
                 </a:solidFill>
               </a:defRPr>
@@ -1095,7 +2653,7 @@
               <a:defRPr sz="1600">
                 <a:solidFill>
                   <a:schemeClr val="tx1">
-                    <a:tint val="75000"/>
+                    <a:tint val="82000"/>
                   </a:schemeClr>
                 </a:solidFill>
               </a:defRPr>
@@ -1115,7 +2673,7 @@
           <p:cNvPr id="4" name="日期版面配置區 3">
             <a:extLst>
               <a:ext uri="{FF2B5EF4-FFF2-40B4-BE49-F238E27FC236}">
-                <a16:creationId xmlns:a16="http://schemas.microsoft.com/office/drawing/2014/main" id="{37546C76-CF19-433D-9070-0A54A149F1B2}"/>
+                <a16:creationId xmlns:a16="http://schemas.microsoft.com/office/drawing/2014/main" id="{6D22104C-F3E1-4742-1DE1-5E05FF5F55D7}"/>
               </a:ext>
             </a:extLst>
           </p:cNvPr>
@@ -1131,9 +2689,9 @@
           <a:bodyPr/>
           <a:lstStyle/>
           <a:p>
-            <a:fld id="{C3C90D7E-32D6-4894-AE08-7BBB3E610FC9}" type="datetimeFigureOut">
+            <a:fld id="{91B02C7C-A34F-48D1-9321-C49279C28F5B}" type="datetimeFigureOut">
               <a:rPr lang="zh-TW" altLang="en-US" smtClean="0"/>
-              <a:t>2024/9/16</a:t>
+              <a:t>2024/10/31</a:t>
             </a:fld>
             <a:endParaRPr lang="zh-TW" altLang="en-US"/>
           </a:p>
@@ -1144,7 +2702,7 @@
           <p:cNvPr id="5" name="頁尾版面配置區 4">
             <a:extLst>
               <a:ext uri="{FF2B5EF4-FFF2-40B4-BE49-F238E27FC236}">
-                <a16:creationId xmlns:a16="http://schemas.microsoft.com/office/drawing/2014/main" id="{9C9DC25F-827C-4564-AD0E-7FD815D53AF7}"/>
+                <a16:creationId xmlns:a16="http://schemas.microsoft.com/office/drawing/2014/main" id="{783FC1A6-4B5E-4F1E-8942-2E222E11AD47}"/>
               </a:ext>
             </a:extLst>
           </p:cNvPr>
@@ -1169,7 +2727,7 @@
           <p:cNvPr id="6" name="投影片編號版面配置區 5">
             <a:extLst>
               <a:ext uri="{FF2B5EF4-FFF2-40B4-BE49-F238E27FC236}">
-                <a16:creationId xmlns:a16="http://schemas.microsoft.com/office/drawing/2014/main" id="{8C0653A6-68AA-4213-8D62-EAF9243D6998}"/>
+                <a16:creationId xmlns:a16="http://schemas.microsoft.com/office/drawing/2014/main" id="{A85ADACC-7AF7-7B9C-B048-C2EA5998C790}"/>
               </a:ext>
             </a:extLst>
           </p:cNvPr>
@@ -1185,7 +2743,7 @@
           <a:bodyPr/>
           <a:lstStyle/>
           <a:p>
-            <a:fld id="{E31EC408-072F-4346-BD0A-D6AA5788A305}" type="slidenum">
+            <a:fld id="{B77F578A-E708-4FF5-8CD5-2CF99810E8A1}" type="slidenum">
               <a:rPr lang="zh-TW" altLang="en-US" smtClean="0"/>
               <a:t>‹#›</a:t>
             </a:fld>
@@ -1196,7 +2754,7 @@
     </p:spTree>
     <p:extLst>
       <p:ext uri="{BB962C8B-B14F-4D97-AF65-F5344CB8AC3E}">
-        <p14:creationId xmlns:p14="http://schemas.microsoft.com/office/powerpoint/2010/main" val="3126775509"/>
+        <p14:creationId xmlns:p14="http://schemas.microsoft.com/office/powerpoint/2010/main" val="1534079832"/>
       </p:ext>
     </p:extLst>
   </p:cSld>
@@ -1228,7 +2786,7 @@
           <p:cNvPr id="2" name="標題 1">
             <a:extLst>
               <a:ext uri="{FF2B5EF4-FFF2-40B4-BE49-F238E27FC236}">
-                <a16:creationId xmlns:a16="http://schemas.microsoft.com/office/drawing/2014/main" id="{F8A74D77-9E6E-4FD1-97AD-0ADC1228B6AF}"/>
+                <a16:creationId xmlns:a16="http://schemas.microsoft.com/office/drawing/2014/main" id="{27473596-B0DB-AF34-CB68-1C99679E9137}"/>
               </a:ext>
             </a:extLst>
           </p:cNvPr>
@@ -1256,7 +2814,7 @@
           <p:cNvPr id="3" name="內容版面配置區 2">
             <a:extLst>
               <a:ext uri="{FF2B5EF4-FFF2-40B4-BE49-F238E27FC236}">
-                <a16:creationId xmlns:a16="http://schemas.microsoft.com/office/drawing/2014/main" id="{9FDE4E9B-689C-4373-B281-9636BE211982}"/>
+                <a16:creationId xmlns:a16="http://schemas.microsoft.com/office/drawing/2014/main" id="{40B0CD19-5326-84C9-7775-858A78C7EA72}"/>
               </a:ext>
             </a:extLst>
           </p:cNvPr>
@@ -1318,7 +2876,7 @@
           <p:cNvPr id="4" name="內容版面配置區 3">
             <a:extLst>
               <a:ext uri="{FF2B5EF4-FFF2-40B4-BE49-F238E27FC236}">
-                <a16:creationId xmlns:a16="http://schemas.microsoft.com/office/drawing/2014/main" id="{CD25EC10-0BDA-4ECA-AB8E-059AC3378E22}"/>
+                <a16:creationId xmlns:a16="http://schemas.microsoft.com/office/drawing/2014/main" id="{7978CA4C-1C6C-B3B4-060F-AB0C4D46822E}"/>
               </a:ext>
             </a:extLst>
           </p:cNvPr>
@@ -1380,7 +2938,7 @@
           <p:cNvPr id="5" name="日期版面配置區 4">
             <a:extLst>
               <a:ext uri="{FF2B5EF4-FFF2-40B4-BE49-F238E27FC236}">
-                <a16:creationId xmlns:a16="http://schemas.microsoft.com/office/drawing/2014/main" id="{63DAF127-0983-4C38-869C-C0A513FA9147}"/>
+                <a16:creationId xmlns:a16="http://schemas.microsoft.com/office/drawing/2014/main" id="{79F0AEAA-489C-7A6B-3560-36A1293F0CBF}"/>
               </a:ext>
             </a:extLst>
           </p:cNvPr>
@@ -1396,9 +2954,9 @@
           <a:bodyPr/>
           <a:lstStyle/>
           <a:p>
-            <a:fld id="{C3C90D7E-32D6-4894-AE08-7BBB3E610FC9}" type="datetimeFigureOut">
+            <a:fld id="{91B02C7C-A34F-48D1-9321-C49279C28F5B}" type="datetimeFigureOut">
               <a:rPr lang="zh-TW" altLang="en-US" smtClean="0"/>
-              <a:t>2024/9/16</a:t>
+              <a:t>2024/10/31</a:t>
             </a:fld>
             <a:endParaRPr lang="zh-TW" altLang="en-US"/>
           </a:p>
@@ -1409,7 +2967,7 @@
           <p:cNvPr id="6" name="頁尾版面配置區 5">
             <a:extLst>
               <a:ext uri="{FF2B5EF4-FFF2-40B4-BE49-F238E27FC236}">
-                <a16:creationId xmlns:a16="http://schemas.microsoft.com/office/drawing/2014/main" id="{E014CBA6-CCE3-4CF4-8E13-D895EDBD8F25}"/>
+                <a16:creationId xmlns:a16="http://schemas.microsoft.com/office/drawing/2014/main" id="{D0E19532-462C-035F-DBF9-8B35D15F0ED8}"/>
               </a:ext>
             </a:extLst>
           </p:cNvPr>
@@ -1434,7 +2992,7 @@
           <p:cNvPr id="7" name="投影片編號版面配置區 6">
             <a:extLst>
               <a:ext uri="{FF2B5EF4-FFF2-40B4-BE49-F238E27FC236}">
-                <a16:creationId xmlns:a16="http://schemas.microsoft.com/office/drawing/2014/main" id="{5CEAA8E5-79B3-445E-B8C3-29BD56CE6D7A}"/>
+                <a16:creationId xmlns:a16="http://schemas.microsoft.com/office/drawing/2014/main" id="{7CC083E1-B17C-41EB-5586-2682860FBE8C}"/>
               </a:ext>
             </a:extLst>
           </p:cNvPr>
@@ -1450,7 +3008,7 @@
           <a:bodyPr/>
           <a:lstStyle/>
           <a:p>
-            <a:fld id="{E31EC408-072F-4346-BD0A-D6AA5788A305}" type="slidenum">
+            <a:fld id="{B77F578A-E708-4FF5-8CD5-2CF99810E8A1}" type="slidenum">
               <a:rPr lang="zh-TW" altLang="en-US" smtClean="0"/>
               <a:t>‹#›</a:t>
             </a:fld>
@@ -1461,7 +3019,7 @@
     </p:spTree>
     <p:extLst>
       <p:ext uri="{BB962C8B-B14F-4D97-AF65-F5344CB8AC3E}">
-        <p14:creationId xmlns:p14="http://schemas.microsoft.com/office/powerpoint/2010/main" val="3858213488"/>
+        <p14:creationId xmlns:p14="http://schemas.microsoft.com/office/powerpoint/2010/main" val="3548978765"/>
       </p:ext>
     </p:extLst>
   </p:cSld>
@@ -1493,7 +3051,7 @@
           <p:cNvPr id="2" name="標題 1">
             <a:extLst>
               <a:ext uri="{FF2B5EF4-FFF2-40B4-BE49-F238E27FC236}">
-                <a16:creationId xmlns:a16="http://schemas.microsoft.com/office/drawing/2014/main" id="{A00F76B6-8DEC-4A74-A06A-BA0146321CD8}"/>
+                <a16:creationId xmlns:a16="http://schemas.microsoft.com/office/drawing/2014/main" id="{73CA3204-90CC-2A84-DC45-7B3EAAE6E18D}"/>
               </a:ext>
             </a:extLst>
           </p:cNvPr>
@@ -1526,7 +3084,7 @@
           <p:cNvPr id="3" name="文字版面配置區 2">
             <a:extLst>
               <a:ext uri="{FF2B5EF4-FFF2-40B4-BE49-F238E27FC236}">
-                <a16:creationId xmlns:a16="http://schemas.microsoft.com/office/drawing/2014/main" id="{EF00F5C5-99A7-4F16-855A-F170362659F7}"/>
+                <a16:creationId xmlns:a16="http://schemas.microsoft.com/office/drawing/2014/main" id="{CF516ACF-C364-1B2E-3A7D-1530BFA87A45}"/>
               </a:ext>
             </a:extLst>
           </p:cNvPr>
@@ -1597,7 +3155,7 @@
           <p:cNvPr id="4" name="內容版面配置區 3">
             <a:extLst>
               <a:ext uri="{FF2B5EF4-FFF2-40B4-BE49-F238E27FC236}">
-                <a16:creationId xmlns:a16="http://schemas.microsoft.com/office/drawing/2014/main" id="{6722BEB2-C9B4-4C14-8234-D17E84349984}"/>
+                <a16:creationId xmlns:a16="http://schemas.microsoft.com/office/drawing/2014/main" id="{D49FDA18-6C9E-5F9A-4E85-28596B3F6D1E}"/>
               </a:ext>
             </a:extLst>
           </p:cNvPr>
@@ -1659,7 +3217,7 @@
           <p:cNvPr id="5" name="文字版面配置區 4">
             <a:extLst>
               <a:ext uri="{FF2B5EF4-FFF2-40B4-BE49-F238E27FC236}">
-                <a16:creationId xmlns:a16="http://schemas.microsoft.com/office/drawing/2014/main" id="{E4A41162-A0AC-4211-940F-4B92208F9B0E}"/>
+                <a16:creationId xmlns:a16="http://schemas.microsoft.com/office/drawing/2014/main" id="{80C8F552-249F-893A-DCE8-20DECD8F1074}"/>
               </a:ext>
             </a:extLst>
           </p:cNvPr>
@@ -1730,7 +3288,7 @@
           <p:cNvPr id="6" name="內容版面配置區 5">
             <a:extLst>
               <a:ext uri="{FF2B5EF4-FFF2-40B4-BE49-F238E27FC236}">
-                <a16:creationId xmlns:a16="http://schemas.microsoft.com/office/drawing/2014/main" id="{E8EA159A-F9D7-4F58-A7C3-6E5B65E42266}"/>
+                <a16:creationId xmlns:a16="http://schemas.microsoft.com/office/drawing/2014/main" id="{13270101-B9BD-2BFF-AA71-0F97C05D2E49}"/>
               </a:ext>
             </a:extLst>
           </p:cNvPr>
@@ -1792,7 +3350,7 @@
           <p:cNvPr id="7" name="日期版面配置區 6">
             <a:extLst>
               <a:ext uri="{FF2B5EF4-FFF2-40B4-BE49-F238E27FC236}">
-                <a16:creationId xmlns:a16="http://schemas.microsoft.com/office/drawing/2014/main" id="{AE973E80-9141-48B7-A9D7-605A4541768F}"/>
+                <a16:creationId xmlns:a16="http://schemas.microsoft.com/office/drawing/2014/main" id="{AFA35D0F-C2F6-751B-E9C1-89188C4C650D}"/>
               </a:ext>
             </a:extLst>
           </p:cNvPr>
@@ -1808,9 +3366,9 @@
           <a:bodyPr/>
           <a:lstStyle/>
           <a:p>
-            <a:fld id="{C3C90D7E-32D6-4894-AE08-7BBB3E610FC9}" type="datetimeFigureOut">
+            <a:fld id="{91B02C7C-A34F-48D1-9321-C49279C28F5B}" type="datetimeFigureOut">
               <a:rPr lang="zh-TW" altLang="en-US" smtClean="0"/>
-              <a:t>2024/9/16</a:t>
+              <a:t>2024/10/31</a:t>
             </a:fld>
             <a:endParaRPr lang="zh-TW" altLang="en-US"/>
           </a:p>
@@ -1821,7 +3379,7 @@
           <p:cNvPr id="8" name="頁尾版面配置區 7">
             <a:extLst>
               <a:ext uri="{FF2B5EF4-FFF2-40B4-BE49-F238E27FC236}">
-                <a16:creationId xmlns:a16="http://schemas.microsoft.com/office/drawing/2014/main" id="{6520B07A-79F8-43E7-8013-632DD2AED223}"/>
+                <a16:creationId xmlns:a16="http://schemas.microsoft.com/office/drawing/2014/main" id="{3343896F-3D40-5CA0-F30D-513504512C20}"/>
               </a:ext>
             </a:extLst>
           </p:cNvPr>
@@ -1846,7 +3404,7 @@
           <p:cNvPr id="9" name="投影片編號版面配置區 8">
             <a:extLst>
               <a:ext uri="{FF2B5EF4-FFF2-40B4-BE49-F238E27FC236}">
-                <a16:creationId xmlns:a16="http://schemas.microsoft.com/office/drawing/2014/main" id="{3B997D8F-4F1C-4DE6-A82C-3E0C38ACAE96}"/>
+                <a16:creationId xmlns:a16="http://schemas.microsoft.com/office/drawing/2014/main" id="{A721F479-FA77-5E8C-4BA8-45F718D6C239}"/>
               </a:ext>
             </a:extLst>
           </p:cNvPr>
@@ -1862,7 +3420,7 @@
           <a:bodyPr/>
           <a:lstStyle/>
           <a:p>
-            <a:fld id="{E31EC408-072F-4346-BD0A-D6AA5788A305}" type="slidenum">
+            <a:fld id="{B77F578A-E708-4FF5-8CD5-2CF99810E8A1}" type="slidenum">
               <a:rPr lang="zh-TW" altLang="en-US" smtClean="0"/>
               <a:t>‹#›</a:t>
             </a:fld>
@@ -1873,7 +3431,7 @@
     </p:spTree>
     <p:extLst>
       <p:ext uri="{BB962C8B-B14F-4D97-AF65-F5344CB8AC3E}">
-        <p14:creationId xmlns:p14="http://schemas.microsoft.com/office/powerpoint/2010/main" val="3379995638"/>
+        <p14:creationId xmlns:p14="http://schemas.microsoft.com/office/powerpoint/2010/main" val="54613924"/>
       </p:ext>
     </p:extLst>
   </p:cSld>
@@ -1905,7 +3463,7 @@
           <p:cNvPr id="2" name="標題 1">
             <a:extLst>
               <a:ext uri="{FF2B5EF4-FFF2-40B4-BE49-F238E27FC236}">
-                <a16:creationId xmlns:a16="http://schemas.microsoft.com/office/drawing/2014/main" id="{6CE04611-FD10-429D-89AA-73C259B64293}"/>
+                <a16:creationId xmlns:a16="http://schemas.microsoft.com/office/drawing/2014/main" id="{6223586D-2F9F-C731-B869-2E0E737AEA4A}"/>
               </a:ext>
             </a:extLst>
           </p:cNvPr>
@@ -1933,7 +3491,7 @@
           <p:cNvPr id="3" name="日期版面配置區 2">
             <a:extLst>
               <a:ext uri="{FF2B5EF4-FFF2-40B4-BE49-F238E27FC236}">
-                <a16:creationId xmlns:a16="http://schemas.microsoft.com/office/drawing/2014/main" id="{2D9009F3-A280-4DA8-ACC4-187DE2172BCA}"/>
+                <a16:creationId xmlns:a16="http://schemas.microsoft.com/office/drawing/2014/main" id="{08184F17-1307-1BFA-CBEF-AE5BEFA5B731}"/>
               </a:ext>
             </a:extLst>
           </p:cNvPr>
@@ -1949,9 +3507,9 @@
           <a:bodyPr/>
           <a:lstStyle/>
           <a:p>
-            <a:fld id="{C3C90D7E-32D6-4894-AE08-7BBB3E610FC9}" type="datetimeFigureOut">
+            <a:fld id="{91B02C7C-A34F-48D1-9321-C49279C28F5B}" type="datetimeFigureOut">
               <a:rPr lang="zh-TW" altLang="en-US" smtClean="0"/>
-              <a:t>2024/9/16</a:t>
+              <a:t>2024/10/31</a:t>
             </a:fld>
             <a:endParaRPr lang="zh-TW" altLang="en-US"/>
           </a:p>
@@ -1962,7 +3520,7 @@
           <p:cNvPr id="4" name="頁尾版面配置區 3">
             <a:extLst>
               <a:ext uri="{FF2B5EF4-FFF2-40B4-BE49-F238E27FC236}">
-                <a16:creationId xmlns:a16="http://schemas.microsoft.com/office/drawing/2014/main" id="{F8FD791E-F627-4DDB-AD69-F7639FDD1767}"/>
+                <a16:creationId xmlns:a16="http://schemas.microsoft.com/office/drawing/2014/main" id="{0E04785D-F7B4-F3A6-63A0-798E5BEBB73D}"/>
               </a:ext>
             </a:extLst>
           </p:cNvPr>
@@ -1987,7 +3545,7 @@
           <p:cNvPr id="5" name="投影片編號版面配置區 4">
             <a:extLst>
               <a:ext uri="{FF2B5EF4-FFF2-40B4-BE49-F238E27FC236}">
-                <a16:creationId xmlns:a16="http://schemas.microsoft.com/office/drawing/2014/main" id="{CE9C3C73-9A1B-4A20-B40C-BF8E0726E9AE}"/>
+                <a16:creationId xmlns:a16="http://schemas.microsoft.com/office/drawing/2014/main" id="{2EF536BA-8730-647C-3451-F09EA69B695B}"/>
               </a:ext>
             </a:extLst>
           </p:cNvPr>
@@ -2003,7 +3561,7 @@
           <a:bodyPr/>
           <a:lstStyle/>
           <a:p>
-            <a:fld id="{E31EC408-072F-4346-BD0A-D6AA5788A305}" type="slidenum">
+            <a:fld id="{B77F578A-E708-4FF5-8CD5-2CF99810E8A1}" type="slidenum">
               <a:rPr lang="zh-TW" altLang="en-US" smtClean="0"/>
               <a:t>‹#›</a:t>
             </a:fld>
@@ -2014,7 +3572,7 @@
     </p:spTree>
     <p:extLst>
       <p:ext uri="{BB962C8B-B14F-4D97-AF65-F5344CB8AC3E}">
-        <p14:creationId xmlns:p14="http://schemas.microsoft.com/office/powerpoint/2010/main" val="3116621787"/>
+        <p14:creationId xmlns:p14="http://schemas.microsoft.com/office/powerpoint/2010/main" val="1011871788"/>
       </p:ext>
     </p:extLst>
   </p:cSld>
@@ -2046,7 +3604,7 @@
           <p:cNvPr id="2" name="日期版面配置區 1">
             <a:extLst>
               <a:ext uri="{FF2B5EF4-FFF2-40B4-BE49-F238E27FC236}">
-                <a16:creationId xmlns:a16="http://schemas.microsoft.com/office/drawing/2014/main" id="{1E1D8EED-F2A7-4221-9887-0DBB62EB3F80}"/>
+                <a16:creationId xmlns:a16="http://schemas.microsoft.com/office/drawing/2014/main" id="{4E551402-7F9B-203C-90EF-65EFFA176C11}"/>
               </a:ext>
             </a:extLst>
           </p:cNvPr>
@@ -2062,9 +3620,9 @@
           <a:bodyPr/>
           <a:lstStyle/>
           <a:p>
-            <a:fld id="{C3C90D7E-32D6-4894-AE08-7BBB3E610FC9}" type="datetimeFigureOut">
+            <a:fld id="{91B02C7C-A34F-48D1-9321-C49279C28F5B}" type="datetimeFigureOut">
               <a:rPr lang="zh-TW" altLang="en-US" smtClean="0"/>
-              <a:t>2024/9/16</a:t>
+              <a:t>2024/10/31</a:t>
             </a:fld>
             <a:endParaRPr lang="zh-TW" altLang="en-US"/>
           </a:p>
@@ -2075,7 +3633,7 @@
           <p:cNvPr id="3" name="頁尾版面配置區 2">
             <a:extLst>
               <a:ext uri="{FF2B5EF4-FFF2-40B4-BE49-F238E27FC236}">
-                <a16:creationId xmlns:a16="http://schemas.microsoft.com/office/drawing/2014/main" id="{10593B39-DC86-45A7-85EF-B4DB9C28DC80}"/>
+                <a16:creationId xmlns:a16="http://schemas.microsoft.com/office/drawing/2014/main" id="{2292CF5C-678F-7C43-8053-DCF50CE61545}"/>
               </a:ext>
             </a:extLst>
           </p:cNvPr>
@@ -2100,7 +3658,7 @@
           <p:cNvPr id="4" name="投影片編號版面配置區 3">
             <a:extLst>
               <a:ext uri="{FF2B5EF4-FFF2-40B4-BE49-F238E27FC236}">
-                <a16:creationId xmlns:a16="http://schemas.microsoft.com/office/drawing/2014/main" id="{3D9056B2-6966-4CAF-94D1-2295A737E168}"/>
+                <a16:creationId xmlns:a16="http://schemas.microsoft.com/office/drawing/2014/main" id="{506B1E59-11C4-915B-279C-20F1FF891365}"/>
               </a:ext>
             </a:extLst>
           </p:cNvPr>
@@ -2116,7 +3674,7 @@
           <a:bodyPr/>
           <a:lstStyle/>
           <a:p>
-            <a:fld id="{E31EC408-072F-4346-BD0A-D6AA5788A305}" type="slidenum">
+            <a:fld id="{B77F578A-E708-4FF5-8CD5-2CF99810E8A1}" type="slidenum">
               <a:rPr lang="zh-TW" altLang="en-US" smtClean="0"/>
               <a:t>‹#›</a:t>
             </a:fld>
@@ -2127,7 +3685,7 @@
     </p:spTree>
     <p:extLst>
       <p:ext uri="{BB962C8B-B14F-4D97-AF65-F5344CB8AC3E}">
-        <p14:creationId xmlns:p14="http://schemas.microsoft.com/office/powerpoint/2010/main" val="3887241942"/>
+        <p14:creationId xmlns:p14="http://schemas.microsoft.com/office/powerpoint/2010/main" val="34781463"/>
       </p:ext>
     </p:extLst>
   </p:cSld>
@@ -2159,7 +3717,7 @@
           <p:cNvPr id="2" name="標題 1">
             <a:extLst>
               <a:ext uri="{FF2B5EF4-FFF2-40B4-BE49-F238E27FC236}">
-                <a16:creationId xmlns:a16="http://schemas.microsoft.com/office/drawing/2014/main" id="{5C3076DF-D16B-4600-9550-96C6A8DD7F1A}"/>
+                <a16:creationId xmlns:a16="http://schemas.microsoft.com/office/drawing/2014/main" id="{711C6689-8FE0-787F-8DE3-F4A4C267125F}"/>
               </a:ext>
             </a:extLst>
           </p:cNvPr>
@@ -2196,7 +3754,7 @@
           <p:cNvPr id="3" name="內容版面配置區 2">
             <a:extLst>
               <a:ext uri="{FF2B5EF4-FFF2-40B4-BE49-F238E27FC236}">
-                <a16:creationId xmlns:a16="http://schemas.microsoft.com/office/drawing/2014/main" id="{9CD3D667-FDE5-4F5D-9495-588EC18912CE}"/>
+                <a16:creationId xmlns:a16="http://schemas.microsoft.com/office/drawing/2014/main" id="{CE3DB678-DC98-40E2-4173-CA66C138B621}"/>
               </a:ext>
             </a:extLst>
           </p:cNvPr>
@@ -2286,7 +3844,7 @@
           <p:cNvPr id="4" name="文字版面配置區 3">
             <a:extLst>
               <a:ext uri="{FF2B5EF4-FFF2-40B4-BE49-F238E27FC236}">
-                <a16:creationId xmlns:a16="http://schemas.microsoft.com/office/drawing/2014/main" id="{22F511E7-BEEF-4F51-BA0E-52C1908D5608}"/>
+                <a16:creationId xmlns:a16="http://schemas.microsoft.com/office/drawing/2014/main" id="{95A91817-5347-5C3D-C67B-B83EA98FB96A}"/>
               </a:ext>
             </a:extLst>
           </p:cNvPr>
@@ -2357,7 +3915,7 @@
           <p:cNvPr id="5" name="日期版面配置區 4">
             <a:extLst>
               <a:ext uri="{FF2B5EF4-FFF2-40B4-BE49-F238E27FC236}">
-                <a16:creationId xmlns:a16="http://schemas.microsoft.com/office/drawing/2014/main" id="{88060697-A92E-4178-A790-FCBB90D70573}"/>
+                <a16:creationId xmlns:a16="http://schemas.microsoft.com/office/drawing/2014/main" id="{E825B0BD-575A-11BD-3504-CD8D90A84F58}"/>
               </a:ext>
             </a:extLst>
           </p:cNvPr>
@@ -2373,9 +3931,9 @@
           <a:bodyPr/>
           <a:lstStyle/>
           <a:p>
-            <a:fld id="{C3C90D7E-32D6-4894-AE08-7BBB3E610FC9}" type="datetimeFigureOut">
+            <a:fld id="{91B02C7C-A34F-48D1-9321-C49279C28F5B}" type="datetimeFigureOut">
               <a:rPr lang="zh-TW" altLang="en-US" smtClean="0"/>
-              <a:t>2024/9/16</a:t>
+              <a:t>2024/10/31</a:t>
             </a:fld>
             <a:endParaRPr lang="zh-TW" altLang="en-US"/>
           </a:p>
@@ -2386,7 +3944,7 @@
           <p:cNvPr id="6" name="頁尾版面配置區 5">
             <a:extLst>
               <a:ext uri="{FF2B5EF4-FFF2-40B4-BE49-F238E27FC236}">
-                <a16:creationId xmlns:a16="http://schemas.microsoft.com/office/drawing/2014/main" id="{2A8E3F57-A99A-4C4C-BF14-EE42AB99CE78}"/>
+                <a16:creationId xmlns:a16="http://schemas.microsoft.com/office/drawing/2014/main" id="{6EE5021A-39CF-759B-4F40-FA50CE4E705D}"/>
               </a:ext>
             </a:extLst>
           </p:cNvPr>
@@ -2411,7 +3969,7 @@
           <p:cNvPr id="7" name="投影片編號版面配置區 6">
             <a:extLst>
               <a:ext uri="{FF2B5EF4-FFF2-40B4-BE49-F238E27FC236}">
-                <a16:creationId xmlns:a16="http://schemas.microsoft.com/office/drawing/2014/main" id="{39234440-6924-48D7-AC1A-200D5946BCA9}"/>
+                <a16:creationId xmlns:a16="http://schemas.microsoft.com/office/drawing/2014/main" id="{152A8DBC-458F-D186-5DE6-1B3D49203807}"/>
               </a:ext>
             </a:extLst>
           </p:cNvPr>
@@ -2427,7 +3985,7 @@
           <a:bodyPr/>
           <a:lstStyle/>
           <a:p>
-            <a:fld id="{E31EC408-072F-4346-BD0A-D6AA5788A305}" type="slidenum">
+            <a:fld id="{B77F578A-E708-4FF5-8CD5-2CF99810E8A1}" type="slidenum">
               <a:rPr lang="zh-TW" altLang="en-US" smtClean="0"/>
               <a:t>‹#›</a:t>
             </a:fld>
@@ -2438,7 +3996,7 @@
     </p:spTree>
     <p:extLst>
       <p:ext uri="{BB962C8B-B14F-4D97-AF65-F5344CB8AC3E}">
-        <p14:creationId xmlns:p14="http://schemas.microsoft.com/office/powerpoint/2010/main" val="2036183199"/>
+        <p14:creationId xmlns:p14="http://schemas.microsoft.com/office/powerpoint/2010/main" val="2940471500"/>
       </p:ext>
     </p:extLst>
   </p:cSld>
@@ -2470,7 +4028,7 @@
           <p:cNvPr id="2" name="標題 1">
             <a:extLst>
               <a:ext uri="{FF2B5EF4-FFF2-40B4-BE49-F238E27FC236}">
-                <a16:creationId xmlns:a16="http://schemas.microsoft.com/office/drawing/2014/main" id="{B2E81694-0B93-4D65-9DA3-21597478A96C}"/>
+                <a16:creationId xmlns:a16="http://schemas.microsoft.com/office/drawing/2014/main" id="{6FB5209F-B9B9-B7E4-E8D7-A7E90AB9726A}"/>
               </a:ext>
             </a:extLst>
           </p:cNvPr>
@@ -2507,7 +4065,7 @@
           <p:cNvPr id="3" name="圖片版面配置區 2">
             <a:extLst>
               <a:ext uri="{FF2B5EF4-FFF2-40B4-BE49-F238E27FC236}">
-                <a16:creationId xmlns:a16="http://schemas.microsoft.com/office/drawing/2014/main" id="{23E4D718-8CB0-4334-BB8A-FB8B57D7CDC6}"/>
+                <a16:creationId xmlns:a16="http://schemas.microsoft.com/office/drawing/2014/main" id="{71D69E3D-8918-83F3-C055-3AB7ED08009A}"/>
               </a:ext>
             </a:extLst>
           </p:cNvPr>
@@ -2574,7 +4132,7 @@
           <p:cNvPr id="4" name="文字版面配置區 3">
             <a:extLst>
               <a:ext uri="{FF2B5EF4-FFF2-40B4-BE49-F238E27FC236}">
-                <a16:creationId xmlns:a16="http://schemas.microsoft.com/office/drawing/2014/main" id="{0DC47463-53E7-4FE3-B60B-1657D11127BD}"/>
+                <a16:creationId xmlns:a16="http://schemas.microsoft.com/office/drawing/2014/main" id="{692ADD9D-EC9B-7F7B-86A9-49D78B596EB7}"/>
               </a:ext>
             </a:extLst>
           </p:cNvPr>
@@ -2645,7 +4203,7 @@
           <p:cNvPr id="5" name="日期版面配置區 4">
             <a:extLst>
               <a:ext uri="{FF2B5EF4-FFF2-40B4-BE49-F238E27FC236}">
-                <a16:creationId xmlns:a16="http://schemas.microsoft.com/office/drawing/2014/main" id="{28875DC5-6AFF-40C0-8C77-F81A0A3E1B0F}"/>
+                <a16:creationId xmlns:a16="http://schemas.microsoft.com/office/drawing/2014/main" id="{D714BDD9-CB0E-E3B8-9CDA-71369537E3F7}"/>
               </a:ext>
             </a:extLst>
           </p:cNvPr>
@@ -2661,9 +4219,9 @@
           <a:bodyPr/>
           <a:lstStyle/>
           <a:p>
-            <a:fld id="{C3C90D7E-32D6-4894-AE08-7BBB3E610FC9}" type="datetimeFigureOut">
+            <a:fld id="{91B02C7C-A34F-48D1-9321-C49279C28F5B}" type="datetimeFigureOut">
               <a:rPr lang="zh-TW" altLang="en-US" smtClean="0"/>
-              <a:t>2024/9/16</a:t>
+              <a:t>2024/10/31</a:t>
             </a:fld>
             <a:endParaRPr lang="zh-TW" altLang="en-US"/>
           </a:p>
@@ -2674,7 +4232,7 @@
           <p:cNvPr id="6" name="頁尾版面配置區 5">
             <a:extLst>
               <a:ext uri="{FF2B5EF4-FFF2-40B4-BE49-F238E27FC236}">
-                <a16:creationId xmlns:a16="http://schemas.microsoft.com/office/drawing/2014/main" id="{24F8A973-6D07-4F0C-97A0-280FEFC238E0}"/>
+                <a16:creationId xmlns:a16="http://schemas.microsoft.com/office/drawing/2014/main" id="{A0A7666E-FC56-33F5-4F9F-0A8E3CB73DA4}"/>
               </a:ext>
             </a:extLst>
           </p:cNvPr>
@@ -2699,7 +4257,7 @@
           <p:cNvPr id="7" name="投影片編號版面配置區 6">
             <a:extLst>
               <a:ext uri="{FF2B5EF4-FFF2-40B4-BE49-F238E27FC236}">
-                <a16:creationId xmlns:a16="http://schemas.microsoft.com/office/drawing/2014/main" id="{DB60BB1E-F41B-40F0-929B-5208374980BF}"/>
+                <a16:creationId xmlns:a16="http://schemas.microsoft.com/office/drawing/2014/main" id="{719438F4-0ED8-8074-4A84-E375C553A7EF}"/>
               </a:ext>
             </a:extLst>
           </p:cNvPr>
@@ -2715,7 +4273,7 @@
           <a:bodyPr/>
           <a:lstStyle/>
           <a:p>
-            <a:fld id="{E31EC408-072F-4346-BD0A-D6AA5788A305}" type="slidenum">
+            <a:fld id="{B77F578A-E708-4FF5-8CD5-2CF99810E8A1}" type="slidenum">
               <a:rPr lang="zh-TW" altLang="en-US" smtClean="0"/>
               <a:t>‹#›</a:t>
             </a:fld>
@@ -2726,7 +4284,7 @@
     </p:spTree>
     <p:extLst>
       <p:ext uri="{BB962C8B-B14F-4D97-AF65-F5344CB8AC3E}">
-        <p14:creationId xmlns:p14="http://schemas.microsoft.com/office/powerpoint/2010/main" val="3148270851"/>
+        <p14:creationId xmlns:p14="http://schemas.microsoft.com/office/powerpoint/2010/main" val="2829707582"/>
       </p:ext>
     </p:extLst>
   </p:cSld>
@@ -2740,9 +4298,15 @@
 <p:sldMaster xmlns:a="http://schemas.openxmlformats.org/drawingml/2006/main" xmlns:r="http://schemas.openxmlformats.org/officeDocument/2006/relationships" xmlns:p="http://schemas.openxmlformats.org/presentationml/2006/main">
   <p:cSld>
     <p:bg>
-      <p:bgRef idx="1001">
-        <a:schemeClr val="bg1"/>
-      </p:bgRef>
+      <p:bgPr>
+        <a:solidFill>
+          <a:schemeClr val="accent5">
+            <a:lumMod val="60000"/>
+            <a:lumOff val="40000"/>
+          </a:schemeClr>
+        </a:solidFill>
+        <a:effectLst/>
+      </p:bgPr>
     </p:bg>
     <p:spTree>
       <p:nvGrpSpPr>
@@ -2763,7 +4327,7 @@
           <p:cNvPr id="2" name="標題版面配置區 1">
             <a:extLst>
               <a:ext uri="{FF2B5EF4-FFF2-40B4-BE49-F238E27FC236}">
-                <a16:creationId xmlns:a16="http://schemas.microsoft.com/office/drawing/2014/main" id="{B8575AAC-624C-4B52-ABD4-699B1E35D2CF}"/>
+                <a16:creationId xmlns:a16="http://schemas.microsoft.com/office/drawing/2014/main" id="{78164B4A-2E51-C06E-EE36-FC685BC7B0BE}"/>
               </a:ext>
             </a:extLst>
           </p:cNvPr>
@@ -2801,7 +4365,7 @@
           <p:cNvPr id="3" name="文字版面配置區 2">
             <a:extLst>
               <a:ext uri="{FF2B5EF4-FFF2-40B4-BE49-F238E27FC236}">
-                <a16:creationId xmlns:a16="http://schemas.microsoft.com/office/drawing/2014/main" id="{76722991-C57D-471F-8271-C419A1CFB074}"/>
+                <a16:creationId xmlns:a16="http://schemas.microsoft.com/office/drawing/2014/main" id="{C7DB9FD8-E419-380A-BA53-ED696D120208}"/>
               </a:ext>
             </a:extLst>
           </p:cNvPr>
@@ -2868,7 +4432,7 @@
           <p:cNvPr id="4" name="日期版面配置區 3">
             <a:extLst>
               <a:ext uri="{FF2B5EF4-FFF2-40B4-BE49-F238E27FC236}">
-                <a16:creationId xmlns:a16="http://schemas.microsoft.com/office/drawing/2014/main" id="{85C839DD-8CBF-4E23-A0C7-7C039E950BB8}"/>
+                <a16:creationId xmlns:a16="http://schemas.microsoft.com/office/drawing/2014/main" id="{747E7F4F-C7E2-7F7A-F96E-A6065AEC4A9E}"/>
               </a:ext>
             </a:extLst>
           </p:cNvPr>
@@ -2895,16 +4459,16 @@
               <a:defRPr sz="1200">
                 <a:solidFill>
                   <a:schemeClr val="tx1">
-                    <a:tint val="75000"/>
+                    <a:tint val="82000"/>
                   </a:schemeClr>
                 </a:solidFill>
               </a:defRPr>
             </a:lvl1pPr>
           </a:lstStyle>
           <a:p>
-            <a:fld id="{C3C90D7E-32D6-4894-AE08-7BBB3E610FC9}" type="datetimeFigureOut">
+            <a:fld id="{91B02C7C-A34F-48D1-9321-C49279C28F5B}" type="datetimeFigureOut">
               <a:rPr lang="zh-TW" altLang="en-US" smtClean="0"/>
-              <a:t>2024/9/16</a:t>
+              <a:t>2024/10/31</a:t>
             </a:fld>
             <a:endParaRPr lang="zh-TW" altLang="en-US"/>
           </a:p>
@@ -2915,7 +4479,7 @@
           <p:cNvPr id="5" name="頁尾版面配置區 4">
             <a:extLst>
               <a:ext uri="{FF2B5EF4-FFF2-40B4-BE49-F238E27FC236}">
-                <a16:creationId xmlns:a16="http://schemas.microsoft.com/office/drawing/2014/main" id="{12802D8A-77D4-418C-8190-43B6ADED2131}"/>
+                <a16:creationId xmlns:a16="http://schemas.microsoft.com/office/drawing/2014/main" id="{3C1D788D-8328-933D-3CE2-22FDA779A989}"/>
               </a:ext>
             </a:extLst>
           </p:cNvPr>
@@ -2942,7 +4506,7 @@
               <a:defRPr sz="1200">
                 <a:solidFill>
                   <a:schemeClr val="tx1">
-                    <a:tint val="75000"/>
+                    <a:tint val="82000"/>
                   </a:schemeClr>
                 </a:solidFill>
               </a:defRPr>
@@ -2958,7 +4522,7 @@
           <p:cNvPr id="6" name="投影片編號版面配置區 5">
             <a:extLst>
               <a:ext uri="{FF2B5EF4-FFF2-40B4-BE49-F238E27FC236}">
-                <a16:creationId xmlns:a16="http://schemas.microsoft.com/office/drawing/2014/main" id="{7072B55E-2BE2-4AF4-AFF8-2A716F492F1C}"/>
+                <a16:creationId xmlns:a16="http://schemas.microsoft.com/office/drawing/2014/main" id="{82E27419-C382-3621-1D99-CFAE4D28BE50}"/>
               </a:ext>
             </a:extLst>
           </p:cNvPr>
@@ -2985,14 +4549,14 @@
               <a:defRPr sz="1200">
                 <a:solidFill>
                   <a:schemeClr val="tx1">
-                    <a:tint val="75000"/>
+                    <a:tint val="82000"/>
                   </a:schemeClr>
                 </a:solidFill>
               </a:defRPr>
             </a:lvl1pPr>
           </a:lstStyle>
           <a:p>
-            <a:fld id="{E31EC408-072F-4346-BD0A-D6AA5788A305}" type="slidenum">
+            <a:fld id="{B77F578A-E708-4FF5-8CD5-2CF99810E8A1}" type="slidenum">
               <a:rPr lang="zh-TW" altLang="en-US" smtClean="0"/>
               <a:t>‹#›</a:t>
             </a:fld>
@@ -3003,11 +4567,11 @@
     </p:spTree>
     <p:extLst>
       <p:ext uri="{BB962C8B-B14F-4D97-AF65-F5344CB8AC3E}">
-        <p14:creationId xmlns:p14="http://schemas.microsoft.com/office/powerpoint/2010/main" val="2016052060"/>
+        <p14:creationId xmlns:p14="http://schemas.microsoft.com/office/powerpoint/2010/main" val="3232123818"/>
       </p:ext>
     </p:extLst>
   </p:cSld>
-  <p:clrMap bg1="lt1" tx1="dk1" bg2="lt2" tx2="dk2" accent1="accent1" accent2="accent2" accent3="accent3" accent4="accent4" accent5="accent5" accent6="accent6" hlink="hlink" folHlink="folHlink"/>
+  <p:clrMap bg1="dk1" tx1="lt1" bg2="dk2" tx2="lt2" accent1="accent1" accent2="accent2" accent3="accent3" accent4="accent4" accent5="accent5" accent6="accent6" hlink="hlink" folHlink="folHlink"/>
   <p:sldLayoutIdLst>
     <p:sldLayoutId id="2147483649" r:id="rId1"/>
     <p:sldLayoutId id="2147483650" r:id="rId2"/>
@@ -3326,7 +4890,7 @@
           <p:cNvPr id="2" name="標題 1">
             <a:extLst>
               <a:ext uri="{FF2B5EF4-FFF2-40B4-BE49-F238E27FC236}">
-                <a16:creationId xmlns:a16="http://schemas.microsoft.com/office/drawing/2014/main" id="{32532283-9F93-4E44-8138-32796965361F}"/>
+                <a16:creationId xmlns:a16="http://schemas.microsoft.com/office/drawing/2014/main" id="{D58A8E42-E9D2-FD38-B675-E33167256DF6}"/>
               </a:ext>
             </a:extLst>
           </p:cNvPr>
@@ -3337,44 +4901,1013 @@
             <p:ph type="ctrTitle"/>
           </p:nvPr>
         </p:nvSpPr>
-        <p:spPr/>
+        <p:spPr>
+          <a:xfrm>
+            <a:off x="255639" y="335782"/>
+            <a:ext cx="5732206" cy="3093218"/>
+          </a:xfrm>
+        </p:spPr>
         <p:txBody>
           <a:bodyPr/>
           <a:lstStyle/>
           <a:p>
-            <a:endParaRPr lang="zh-TW" altLang="en-US"/>
-          </a:p>
-        </p:txBody>
-      </p:sp>
-      <p:sp>
-        <p:nvSpPr>
-          <p:cNvPr id="3" name="副標題 2">
-            <a:extLst>
-              <a:ext uri="{FF2B5EF4-FFF2-40B4-BE49-F238E27FC236}">
-                <a16:creationId xmlns:a16="http://schemas.microsoft.com/office/drawing/2014/main" id="{8C946F38-524D-4B98-B9CB-80AEE57E455A}"/>
-              </a:ext>
-            </a:extLst>
-          </p:cNvPr>
-          <p:cNvSpPr>
-            <a:spLocks noGrp="1"/>
-          </p:cNvSpPr>
-          <p:nvPr>
-            <p:ph type="subTitle" idx="1"/>
-          </p:nvPr>
-        </p:nvSpPr>
-        <p:spPr/>
-        <p:txBody>
-          <a:bodyPr/>
-          <a:lstStyle/>
-          <a:p>
-            <a:endParaRPr lang="zh-TW" altLang="en-US"/>
+            <a:r>
+              <a:rPr lang="zh-TW" altLang="en-US" b="1" dirty="0">
+                <a:solidFill>
+                  <a:schemeClr val="bg2">
+                    <a:lumMod val="50000"/>
+                  </a:schemeClr>
+                </a:solidFill>
+                <a:latin typeface="微軟正黑體" panose="020B0604030504040204" pitchFamily="34" charset="-120"/>
+                <a:ea typeface="微軟正黑體" panose="020B0604030504040204" pitchFamily="34" charset="-120"/>
+              </a:rPr>
+              <a:t>自我介紹</a:t>
+            </a:r>
+            <a:r>
+              <a:rPr lang="en-US" altLang="zh-TW" b="1" dirty="0">
+                <a:solidFill>
+                  <a:schemeClr val="bg2">
+                    <a:lumMod val="50000"/>
+                  </a:schemeClr>
+                </a:solidFill>
+                <a:latin typeface="微軟正黑體" panose="020B0604030504040204" pitchFamily="34" charset="-120"/>
+                <a:ea typeface="微軟正黑體" panose="020B0604030504040204" pitchFamily="34" charset="-120"/>
+              </a:rPr>
+              <a:t>(</a:t>
+            </a:r>
+            <a:r>
+              <a:rPr lang="en-US" altLang="zh-TW" b="1" dirty="0" err="1">
+                <a:solidFill>
+                  <a:schemeClr val="bg2">
+                    <a:lumMod val="50000"/>
+                  </a:schemeClr>
+                </a:solidFill>
+                <a:latin typeface="微軟正黑體" panose="020B0604030504040204" pitchFamily="34" charset="-120"/>
+                <a:ea typeface="微軟正黑體" panose="020B0604030504040204" pitchFamily="34" charset="-120"/>
+              </a:rPr>
+              <a:t>niziima</a:t>
+            </a:r>
+            <a:r>
+              <a:rPr lang="en-US" altLang="zh-TW" b="1" dirty="0">
+                <a:solidFill>
+                  <a:schemeClr val="bg2">
+                    <a:lumMod val="50000"/>
+                  </a:schemeClr>
+                </a:solidFill>
+                <a:latin typeface="微軟正黑體" panose="020B0604030504040204" pitchFamily="34" charset="-120"/>
+                <a:ea typeface="微軟正黑體" panose="020B0604030504040204" pitchFamily="34" charset="-120"/>
+              </a:rPr>
+              <a:t> Live)</a:t>
+            </a:r>
+            <a:endParaRPr lang="zh-TW" altLang="en-US" b="1" dirty="0">
+              <a:solidFill>
+                <a:schemeClr val="bg2">
+                  <a:lumMod val="50000"/>
+                </a:schemeClr>
+              </a:solidFill>
+              <a:latin typeface="微軟正黑體" panose="020B0604030504040204" pitchFamily="34" charset="-120"/>
+              <a:ea typeface="微軟正黑體" panose="020B0604030504040204" pitchFamily="34" charset="-120"/>
+            </a:endParaRPr>
           </a:p>
         </p:txBody>
       </p:sp>
     </p:spTree>
     <p:extLst>
       <p:ext uri="{BB962C8B-B14F-4D97-AF65-F5344CB8AC3E}">
-        <p14:creationId xmlns:p14="http://schemas.microsoft.com/office/powerpoint/2010/main" val="1328321055"/>
+        <p14:creationId xmlns:p14="http://schemas.microsoft.com/office/powerpoint/2010/main" val="1199308403"/>
+      </p:ext>
+    </p:extLst>
+  </p:cSld>
+  <p:clrMapOvr>
+    <a:masterClrMapping/>
+  </p:clrMapOvr>
+</p:sld>
+</file>
+
+<file path=ppt/slides/slide2.xml><?xml version="1.0" encoding="utf-8"?>
+<p:sld xmlns:a="http://schemas.openxmlformats.org/drawingml/2006/main" xmlns:r="http://schemas.openxmlformats.org/officeDocument/2006/relationships" xmlns:p="http://schemas.openxmlformats.org/presentationml/2006/main">
+  <p:cSld>
+    <p:spTree>
+      <p:nvGrpSpPr>
+        <p:cNvPr id="1" name=""/>
+        <p:cNvGrpSpPr/>
+        <p:nvPr/>
+      </p:nvGrpSpPr>
+      <p:grpSpPr>
+        <a:xfrm>
+          <a:off x="0" y="0"/>
+          <a:ext cx="0" cy="0"/>
+          <a:chOff x="0" y="0"/>
+          <a:chExt cx="0" cy="0"/>
+        </a:xfrm>
+      </p:grpSpPr>
+      <p:sp>
+        <p:nvSpPr>
+          <p:cNvPr id="9" name="文字方塊 8">
+            <a:extLst>
+              <a:ext uri="{FF2B5EF4-FFF2-40B4-BE49-F238E27FC236}">
+                <a16:creationId xmlns:a16="http://schemas.microsoft.com/office/drawing/2014/main" id="{EC6694D8-46F6-C180-8B98-B5BB50250750}"/>
+              </a:ext>
+            </a:extLst>
+          </p:cNvPr>
+          <p:cNvSpPr txBox="1"/>
+          <p:nvPr/>
+        </p:nvSpPr>
+        <p:spPr>
+          <a:xfrm>
+            <a:off x="353961" y="144094"/>
+            <a:ext cx="1524000" cy="584775"/>
+          </a:xfrm>
+          <a:prstGeom prst="rect">
+            <a:avLst/>
+          </a:prstGeom>
+          <a:noFill/>
+        </p:spPr>
+        <p:txBody>
+          <a:bodyPr wrap="square">
+            <a:spAutoFit/>
+          </a:bodyPr>
+          <a:lstStyle/>
+          <a:p>
+            <a:r>
+              <a:rPr lang="en-US" altLang="zh-TW" sz="3200" b="1" dirty="0">
+                <a:solidFill>
+                  <a:schemeClr val="bg2">
+                    <a:lumMod val="50000"/>
+                  </a:schemeClr>
+                </a:solidFill>
+                <a:latin typeface="微軟正黑體" panose="020B0604030504040204" pitchFamily="34" charset="-120"/>
+                <a:ea typeface="微軟正黑體" panose="020B0604030504040204" pitchFamily="34" charset="-120"/>
+              </a:rPr>
+              <a:t>1. </a:t>
+            </a:r>
+            <a:r>
+              <a:rPr lang="zh-TW" altLang="en-US" sz="3200" b="1" dirty="0">
+                <a:solidFill>
+                  <a:schemeClr val="bg2">
+                    <a:lumMod val="50000"/>
+                  </a:schemeClr>
+                </a:solidFill>
+                <a:latin typeface="微軟正黑體" panose="020B0604030504040204" pitchFamily="34" charset="-120"/>
+                <a:ea typeface="微軟正黑體" panose="020B0604030504040204" pitchFamily="34" charset="-120"/>
+              </a:rPr>
+              <a:t>目標</a:t>
+            </a:r>
+          </a:p>
+        </p:txBody>
+      </p:sp>
+      <p:pic>
+        <p:nvPicPr>
+          <p:cNvPr id="1026" name="Picture 2" descr="日本動漫風格的男生 白髮  背景改成電競房">
+            <a:extLst>
+              <a:ext uri="{FF2B5EF4-FFF2-40B4-BE49-F238E27FC236}">
+                <a16:creationId xmlns:a16="http://schemas.microsoft.com/office/drawing/2014/main" id="{AF207D06-4AE7-436F-920F-EA21C90524E8}"/>
+              </a:ext>
+            </a:extLst>
+          </p:cNvPr>
+          <p:cNvPicPr>
+            <a:picLocks noChangeAspect="1" noChangeArrowheads="1"/>
+          </p:cNvPicPr>
+          <p:nvPr/>
+        </p:nvPicPr>
+        <p:blipFill>
+          <a:blip r:embed="rId3">
+            <a:extLst>
+              <a:ext uri="{28A0092B-C50C-407E-A947-70E740481C1C}">
+                <a14:useLocalDpi xmlns:a14="http://schemas.microsoft.com/office/drawing/2010/main" val="0"/>
+              </a:ext>
+            </a:extLst>
+          </a:blip>
+          <a:srcRect/>
+          <a:stretch>
+            <a:fillRect/>
+          </a:stretch>
+        </p:blipFill>
+        <p:spPr bwMode="auto">
+          <a:xfrm>
+            <a:off x="1115961" y="893596"/>
+            <a:ext cx="5820310" cy="5820310"/>
+          </a:xfrm>
+          <a:prstGeom prst="rect">
+            <a:avLst/>
+          </a:prstGeom>
+          <a:noFill/>
+          <a:extLst>
+            <a:ext uri="{909E8E84-426E-40DD-AFC4-6F175D3DCCD1}">
+              <a14:hiddenFill xmlns:a14="http://schemas.microsoft.com/office/drawing/2010/main">
+                <a:solidFill>
+                  <a:srgbClr val="FFFFFF"/>
+                </a:solidFill>
+              </a14:hiddenFill>
+            </a:ext>
+          </a:extLst>
+        </p:spPr>
+      </p:pic>
+    </p:spTree>
+    <p:extLst>
+      <p:ext uri="{BB962C8B-B14F-4D97-AF65-F5344CB8AC3E}">
+        <p14:creationId xmlns:p14="http://schemas.microsoft.com/office/powerpoint/2010/main" val="2614538090"/>
+      </p:ext>
+    </p:extLst>
+  </p:cSld>
+  <p:clrMapOvr>
+    <a:masterClrMapping/>
+  </p:clrMapOvr>
+</p:sld>
+</file>
+
+<file path=ppt/slides/slide3.xml><?xml version="1.0" encoding="utf-8"?>
+<p:sld xmlns:a="http://schemas.openxmlformats.org/drawingml/2006/main" xmlns:r="http://schemas.openxmlformats.org/officeDocument/2006/relationships" xmlns:p="http://schemas.openxmlformats.org/presentationml/2006/main">
+  <p:cSld>
+    <p:spTree>
+      <p:nvGrpSpPr>
+        <p:cNvPr id="1" name=""/>
+        <p:cNvGrpSpPr/>
+        <p:nvPr/>
+      </p:nvGrpSpPr>
+      <p:grpSpPr>
+        <a:xfrm>
+          <a:off x="0" y="0"/>
+          <a:ext cx="0" cy="0"/>
+          <a:chOff x="0" y="0"/>
+          <a:chExt cx="0" cy="0"/>
+        </a:xfrm>
+      </p:grpSpPr>
+      <p:sp>
+        <p:nvSpPr>
+          <p:cNvPr id="9" name="文字方塊 8">
+            <a:extLst>
+              <a:ext uri="{FF2B5EF4-FFF2-40B4-BE49-F238E27FC236}">
+                <a16:creationId xmlns:a16="http://schemas.microsoft.com/office/drawing/2014/main" id="{EC6694D8-46F6-C180-8B98-B5BB50250750}"/>
+              </a:ext>
+            </a:extLst>
+          </p:cNvPr>
+          <p:cNvSpPr txBox="1"/>
+          <p:nvPr/>
+        </p:nvSpPr>
+        <p:spPr>
+          <a:xfrm>
+            <a:off x="353961" y="144094"/>
+            <a:ext cx="1524000" cy="553998"/>
+          </a:xfrm>
+          <a:prstGeom prst="rect">
+            <a:avLst/>
+          </a:prstGeom>
+          <a:noFill/>
+        </p:spPr>
+        <p:txBody>
+          <a:bodyPr wrap="square">
+            <a:spAutoFit/>
+          </a:bodyPr>
+          <a:lstStyle>
+            <a:defPPr>
+              <a:defRPr lang="zh-TW"/>
+            </a:defPPr>
+            <a:lvl1pPr>
+              <a:defRPr sz="3200" b="1">
+                <a:solidFill>
+                  <a:schemeClr val="bg2">
+                    <a:lumMod val="50000"/>
+                  </a:schemeClr>
+                </a:solidFill>
+                <a:latin typeface="微軟正黑體" panose="020B0604030504040204" pitchFamily="34" charset="-120"/>
+                <a:ea typeface="微軟正黑體" panose="020B0604030504040204" pitchFamily="34" charset="-120"/>
+              </a:defRPr>
+            </a:lvl1pPr>
+          </a:lstStyle>
+          <a:p>
+            <a:r>
+              <a:rPr lang="en-US" altLang="zh-TW" dirty="0"/>
+              <a:t>2. </a:t>
+            </a:r>
+            <a:r>
+              <a:rPr lang="zh-TW" altLang="en-US" dirty="0"/>
+              <a:t>阻礙</a:t>
+            </a:r>
+            <a:endParaRPr lang="en-US" altLang="zh-TW" dirty="0"/>
+          </a:p>
+        </p:txBody>
+      </p:sp>
+      <p:pic>
+        <p:nvPicPr>
+          <p:cNvPr id="2050" name="Picture 2" descr="日本動漫風格的男生，白髮，背景是電競房，男生手腕受傷">
+            <a:extLst>
+              <a:ext uri="{FF2B5EF4-FFF2-40B4-BE49-F238E27FC236}">
+                <a16:creationId xmlns:a16="http://schemas.microsoft.com/office/drawing/2014/main" id="{3DF723B3-AA5D-407F-98A4-10DFFB747355}"/>
+              </a:ext>
+            </a:extLst>
+          </p:cNvPr>
+          <p:cNvPicPr>
+            <a:picLocks noChangeAspect="1" noChangeArrowheads="1"/>
+          </p:cNvPicPr>
+          <p:nvPr/>
+        </p:nvPicPr>
+        <p:blipFill>
+          <a:blip r:embed="rId3">
+            <a:extLst>
+              <a:ext uri="{28A0092B-C50C-407E-A947-70E740481C1C}">
+                <a14:useLocalDpi xmlns:a14="http://schemas.microsoft.com/office/drawing/2010/main" val="0"/>
+              </a:ext>
+            </a:extLst>
+          </a:blip>
+          <a:srcRect/>
+          <a:stretch>
+            <a:fillRect/>
+          </a:stretch>
+        </p:blipFill>
+        <p:spPr bwMode="auto">
+          <a:xfrm>
+            <a:off x="1988905" y="801384"/>
+            <a:ext cx="6056616" cy="6056616"/>
+          </a:xfrm>
+          <a:prstGeom prst="rect">
+            <a:avLst/>
+          </a:prstGeom>
+          <a:noFill/>
+          <a:extLst>
+            <a:ext uri="{909E8E84-426E-40DD-AFC4-6F175D3DCCD1}">
+              <a14:hiddenFill xmlns:a14="http://schemas.microsoft.com/office/drawing/2010/main">
+                <a:solidFill>
+                  <a:srgbClr val="FFFFFF"/>
+                </a:solidFill>
+              </a14:hiddenFill>
+            </a:ext>
+          </a:extLst>
+        </p:spPr>
+      </p:pic>
+    </p:spTree>
+    <p:extLst>
+      <p:ext uri="{BB962C8B-B14F-4D97-AF65-F5344CB8AC3E}">
+        <p14:creationId xmlns:p14="http://schemas.microsoft.com/office/powerpoint/2010/main" val="3786169518"/>
+      </p:ext>
+    </p:extLst>
+  </p:cSld>
+  <p:clrMapOvr>
+    <a:masterClrMapping/>
+  </p:clrMapOvr>
+</p:sld>
+</file>
+
+<file path=ppt/slides/slide4.xml><?xml version="1.0" encoding="utf-8"?>
+<p:sld xmlns:a="http://schemas.openxmlformats.org/drawingml/2006/main" xmlns:r="http://schemas.openxmlformats.org/officeDocument/2006/relationships" xmlns:p="http://schemas.openxmlformats.org/presentationml/2006/main">
+  <p:cSld>
+    <p:spTree>
+      <p:nvGrpSpPr>
+        <p:cNvPr id="1" name=""/>
+        <p:cNvGrpSpPr/>
+        <p:nvPr/>
+      </p:nvGrpSpPr>
+      <p:grpSpPr>
+        <a:xfrm>
+          <a:off x="0" y="0"/>
+          <a:ext cx="0" cy="0"/>
+          <a:chOff x="0" y="0"/>
+          <a:chExt cx="0" cy="0"/>
+        </a:xfrm>
+      </p:grpSpPr>
+      <p:sp>
+        <p:nvSpPr>
+          <p:cNvPr id="9" name="文字方塊 8">
+            <a:extLst>
+              <a:ext uri="{FF2B5EF4-FFF2-40B4-BE49-F238E27FC236}">
+                <a16:creationId xmlns:a16="http://schemas.microsoft.com/office/drawing/2014/main" id="{EC6694D8-46F6-C180-8B98-B5BB50250750}"/>
+              </a:ext>
+            </a:extLst>
+          </p:cNvPr>
+          <p:cNvSpPr txBox="1"/>
+          <p:nvPr/>
+        </p:nvSpPr>
+        <p:spPr>
+          <a:xfrm>
+            <a:off x="353961" y="144094"/>
+            <a:ext cx="1524000" cy="553998"/>
+          </a:xfrm>
+          <a:prstGeom prst="rect">
+            <a:avLst/>
+          </a:prstGeom>
+          <a:noFill/>
+        </p:spPr>
+        <p:txBody>
+          <a:bodyPr wrap="square">
+            <a:spAutoFit/>
+          </a:bodyPr>
+          <a:lstStyle>
+            <a:defPPr>
+              <a:defRPr lang="zh-TW"/>
+            </a:defPPr>
+            <a:lvl1pPr>
+              <a:defRPr sz="3200" b="1">
+                <a:solidFill>
+                  <a:schemeClr val="bg2">
+                    <a:lumMod val="50000"/>
+                  </a:schemeClr>
+                </a:solidFill>
+                <a:latin typeface="微軟正黑體" panose="020B0604030504040204" pitchFamily="34" charset="-120"/>
+                <a:ea typeface="微軟正黑體" panose="020B0604030504040204" pitchFamily="34" charset="-120"/>
+              </a:defRPr>
+            </a:lvl1pPr>
+          </a:lstStyle>
+          <a:p>
+            <a:r>
+              <a:rPr lang="en-US" altLang="zh-TW" dirty="0"/>
+              <a:t>3. </a:t>
+            </a:r>
+            <a:r>
+              <a:rPr lang="zh-TW" altLang="en-US" dirty="0"/>
+              <a:t>努力</a:t>
+            </a:r>
+            <a:endParaRPr lang="en-US" altLang="zh-TW" dirty="0"/>
+          </a:p>
+        </p:txBody>
+      </p:sp>
+      <p:pic>
+        <p:nvPicPr>
+          <p:cNvPr id="3074" name="Picture 2" descr="日本動漫2d風格的男生，白髮，背景是電競房，男生正在努力練習">
+            <a:extLst>
+              <a:ext uri="{FF2B5EF4-FFF2-40B4-BE49-F238E27FC236}">
+                <a16:creationId xmlns:a16="http://schemas.microsoft.com/office/drawing/2014/main" id="{E4A8E0CA-1321-4BFD-9211-AEC3D03D4023}"/>
+              </a:ext>
+            </a:extLst>
+          </p:cNvPr>
+          <p:cNvPicPr>
+            <a:picLocks noChangeAspect="1" noChangeArrowheads="1"/>
+          </p:cNvPicPr>
+          <p:nvPr/>
+        </p:nvPicPr>
+        <p:blipFill>
+          <a:blip r:embed="rId3">
+            <a:extLst>
+              <a:ext uri="{28A0092B-C50C-407E-A947-70E740481C1C}">
+                <a14:useLocalDpi xmlns:a14="http://schemas.microsoft.com/office/drawing/2010/main" val="0"/>
+              </a:ext>
+            </a:extLst>
+          </a:blip>
+          <a:srcRect/>
+          <a:stretch>
+            <a:fillRect/>
+          </a:stretch>
+        </p:blipFill>
+        <p:spPr bwMode="auto">
+          <a:xfrm>
+            <a:off x="1877961" y="883322"/>
+            <a:ext cx="5830584" cy="5830584"/>
+          </a:xfrm>
+          <a:prstGeom prst="rect">
+            <a:avLst/>
+          </a:prstGeom>
+          <a:noFill/>
+          <a:extLst>
+            <a:ext uri="{909E8E84-426E-40DD-AFC4-6F175D3DCCD1}">
+              <a14:hiddenFill xmlns:a14="http://schemas.microsoft.com/office/drawing/2010/main">
+                <a:solidFill>
+                  <a:srgbClr val="FFFFFF"/>
+                </a:solidFill>
+              </a14:hiddenFill>
+            </a:ext>
+          </a:extLst>
+        </p:spPr>
+      </p:pic>
+    </p:spTree>
+    <p:extLst>
+      <p:ext uri="{BB962C8B-B14F-4D97-AF65-F5344CB8AC3E}">
+        <p14:creationId xmlns:p14="http://schemas.microsoft.com/office/powerpoint/2010/main" val="1451798413"/>
+      </p:ext>
+    </p:extLst>
+  </p:cSld>
+  <p:clrMapOvr>
+    <a:masterClrMapping/>
+  </p:clrMapOvr>
+</p:sld>
+</file>
+
+<file path=ppt/slides/slide5.xml><?xml version="1.0" encoding="utf-8"?>
+<p:sld xmlns:a="http://schemas.openxmlformats.org/drawingml/2006/main" xmlns:r="http://schemas.openxmlformats.org/officeDocument/2006/relationships" xmlns:p="http://schemas.openxmlformats.org/presentationml/2006/main">
+  <p:cSld>
+    <p:spTree>
+      <p:nvGrpSpPr>
+        <p:cNvPr id="1" name=""/>
+        <p:cNvGrpSpPr/>
+        <p:nvPr/>
+      </p:nvGrpSpPr>
+      <p:grpSpPr>
+        <a:xfrm>
+          <a:off x="0" y="0"/>
+          <a:ext cx="0" cy="0"/>
+          <a:chOff x="0" y="0"/>
+          <a:chExt cx="0" cy="0"/>
+        </a:xfrm>
+      </p:grpSpPr>
+      <p:sp>
+        <p:nvSpPr>
+          <p:cNvPr id="9" name="文字方塊 8">
+            <a:extLst>
+              <a:ext uri="{FF2B5EF4-FFF2-40B4-BE49-F238E27FC236}">
+                <a16:creationId xmlns:a16="http://schemas.microsoft.com/office/drawing/2014/main" id="{EC6694D8-46F6-C180-8B98-B5BB50250750}"/>
+              </a:ext>
+            </a:extLst>
+          </p:cNvPr>
+          <p:cNvSpPr txBox="1"/>
+          <p:nvPr/>
+        </p:nvSpPr>
+        <p:spPr>
+          <a:xfrm>
+            <a:off x="413227" y="118694"/>
+            <a:ext cx="1524000" cy="553998"/>
+          </a:xfrm>
+          <a:prstGeom prst="rect">
+            <a:avLst/>
+          </a:prstGeom>
+          <a:noFill/>
+        </p:spPr>
+        <p:txBody>
+          <a:bodyPr wrap="square">
+            <a:spAutoFit/>
+          </a:bodyPr>
+          <a:lstStyle>
+            <a:defPPr>
+              <a:defRPr lang="zh-TW"/>
+            </a:defPPr>
+            <a:lvl1pPr>
+              <a:defRPr sz="3200" b="1">
+                <a:solidFill>
+                  <a:schemeClr val="bg2">
+                    <a:lumMod val="50000"/>
+                  </a:schemeClr>
+                </a:solidFill>
+                <a:latin typeface="微軟正黑體" panose="020B0604030504040204" pitchFamily="34" charset="-120"/>
+                <a:ea typeface="微軟正黑體" panose="020B0604030504040204" pitchFamily="34" charset="-120"/>
+              </a:defRPr>
+            </a:lvl1pPr>
+          </a:lstStyle>
+          <a:p>
+            <a:r>
+              <a:rPr lang="en-US" altLang="zh-TW" dirty="0"/>
+              <a:t>4. </a:t>
+            </a:r>
+            <a:r>
+              <a:rPr lang="zh-TW" altLang="en-US" dirty="0"/>
+              <a:t>結果</a:t>
+            </a:r>
+            <a:endParaRPr lang="en-US" altLang="zh-TW" dirty="0"/>
+          </a:p>
+        </p:txBody>
+      </p:sp>
+      <p:pic>
+        <p:nvPicPr>
+          <p:cNvPr id="4102" name="Picture 6" descr="日本動漫2d風格的男生，白髮，背景是電競房，男生拿到冠軍">
+            <a:extLst>
+              <a:ext uri="{FF2B5EF4-FFF2-40B4-BE49-F238E27FC236}">
+                <a16:creationId xmlns:a16="http://schemas.microsoft.com/office/drawing/2014/main" id="{3C858C65-0A71-4DF9-9C2A-9E1459A0AF86}"/>
+              </a:ext>
+            </a:extLst>
+          </p:cNvPr>
+          <p:cNvPicPr>
+            <a:picLocks noChangeAspect="1" noChangeArrowheads="1"/>
+          </p:cNvPicPr>
+          <p:nvPr/>
+        </p:nvPicPr>
+        <p:blipFill>
+          <a:blip r:embed="rId3">
+            <a:extLst>
+              <a:ext uri="{28A0092B-C50C-407E-A947-70E740481C1C}">
+                <a14:useLocalDpi xmlns:a14="http://schemas.microsoft.com/office/drawing/2010/main" val="0"/>
+              </a:ext>
+            </a:extLst>
+          </a:blip>
+          <a:srcRect/>
+          <a:stretch>
+            <a:fillRect/>
+          </a:stretch>
+        </p:blipFill>
+        <p:spPr bwMode="auto">
+          <a:xfrm>
+            <a:off x="2286755" y="869887"/>
+            <a:ext cx="5906632" cy="5906632"/>
+          </a:xfrm>
+          <a:prstGeom prst="rect">
+            <a:avLst/>
+          </a:prstGeom>
+          <a:noFill/>
+          <a:extLst>
+            <a:ext uri="{909E8E84-426E-40DD-AFC4-6F175D3DCCD1}">
+              <a14:hiddenFill xmlns:a14="http://schemas.microsoft.com/office/drawing/2010/main">
+                <a:solidFill>
+                  <a:srgbClr val="FFFFFF"/>
+                </a:solidFill>
+              </a14:hiddenFill>
+            </a:ext>
+          </a:extLst>
+        </p:spPr>
+      </p:pic>
+    </p:spTree>
+    <p:extLst>
+      <p:ext uri="{BB962C8B-B14F-4D97-AF65-F5344CB8AC3E}">
+        <p14:creationId xmlns:p14="http://schemas.microsoft.com/office/powerpoint/2010/main" val="4127051245"/>
+      </p:ext>
+    </p:extLst>
+  </p:cSld>
+  <p:clrMapOvr>
+    <a:masterClrMapping/>
+  </p:clrMapOvr>
+</p:sld>
+</file>
+
+<file path=ppt/slides/slide6.xml><?xml version="1.0" encoding="utf-8"?>
+<p:sld xmlns:a="http://schemas.openxmlformats.org/drawingml/2006/main" xmlns:r="http://schemas.openxmlformats.org/officeDocument/2006/relationships" xmlns:p="http://schemas.openxmlformats.org/presentationml/2006/main">
+  <p:cSld>
+    <p:spTree>
+      <p:nvGrpSpPr>
+        <p:cNvPr id="1" name=""/>
+        <p:cNvGrpSpPr/>
+        <p:nvPr/>
+      </p:nvGrpSpPr>
+      <p:grpSpPr>
+        <a:xfrm>
+          <a:off x="0" y="0"/>
+          <a:ext cx="0" cy="0"/>
+          <a:chOff x="0" y="0"/>
+          <a:chExt cx="0" cy="0"/>
+        </a:xfrm>
+      </p:grpSpPr>
+      <p:sp>
+        <p:nvSpPr>
+          <p:cNvPr id="9" name="文字方塊 8">
+            <a:extLst>
+              <a:ext uri="{FF2B5EF4-FFF2-40B4-BE49-F238E27FC236}">
+                <a16:creationId xmlns:a16="http://schemas.microsoft.com/office/drawing/2014/main" id="{EC6694D8-46F6-C180-8B98-B5BB50250750}"/>
+              </a:ext>
+            </a:extLst>
+          </p:cNvPr>
+          <p:cNvSpPr txBox="1"/>
+          <p:nvPr/>
+        </p:nvSpPr>
+        <p:spPr>
+          <a:xfrm>
+            <a:off x="353961" y="144094"/>
+            <a:ext cx="1524000" cy="584775"/>
+          </a:xfrm>
+          <a:prstGeom prst="rect">
+            <a:avLst/>
+          </a:prstGeom>
+          <a:noFill/>
+        </p:spPr>
+        <p:txBody>
+          <a:bodyPr wrap="square">
+            <a:spAutoFit/>
+          </a:bodyPr>
+          <a:lstStyle/>
+          <a:p>
+            <a:r>
+              <a:rPr lang="en-US" altLang="zh-TW" sz="3200" b="1" dirty="0">
+                <a:solidFill>
+                  <a:schemeClr val="bg2">
+                    <a:lumMod val="50000"/>
+                  </a:schemeClr>
+                </a:solidFill>
+                <a:latin typeface="微軟正黑體" panose="020B0604030504040204" pitchFamily="34" charset="-120"/>
+                <a:ea typeface="微軟正黑體" panose="020B0604030504040204" pitchFamily="34" charset="-120"/>
+              </a:rPr>
+              <a:t>5. </a:t>
+            </a:r>
+            <a:r>
+              <a:rPr lang="zh-TW" altLang="en-US" sz="3200" b="1" dirty="0">
+                <a:solidFill>
+                  <a:schemeClr val="bg2">
+                    <a:lumMod val="50000"/>
+                  </a:schemeClr>
+                </a:solidFill>
+                <a:latin typeface="微軟正黑體" panose="020B0604030504040204" pitchFamily="34" charset="-120"/>
+                <a:ea typeface="微軟正黑體" panose="020B0604030504040204" pitchFamily="34" charset="-120"/>
+              </a:rPr>
+              <a:t>意外</a:t>
+            </a:r>
+            <a:endParaRPr lang="en-US" altLang="zh-TW" sz="3200" b="1" dirty="0">
+              <a:solidFill>
+                <a:schemeClr val="bg2">
+                  <a:lumMod val="50000"/>
+                </a:schemeClr>
+              </a:solidFill>
+              <a:latin typeface="微軟正黑體" panose="020B0604030504040204" pitchFamily="34" charset="-120"/>
+              <a:ea typeface="微軟正黑體" panose="020B0604030504040204" pitchFamily="34" charset="-120"/>
+            </a:endParaRPr>
+          </a:p>
+        </p:txBody>
+      </p:sp>
+      <p:pic>
+        <p:nvPicPr>
+          <p:cNvPr id="5122" name="Picture 2" descr="日本動漫風格的男生 白髮  背景改成電競房">
+            <a:extLst>
+              <a:ext uri="{FF2B5EF4-FFF2-40B4-BE49-F238E27FC236}">
+                <a16:creationId xmlns:a16="http://schemas.microsoft.com/office/drawing/2014/main" id="{D4A20A62-7184-42D7-9E8A-676CD1DB1E7C}"/>
+              </a:ext>
+            </a:extLst>
+          </p:cNvPr>
+          <p:cNvPicPr>
+            <a:picLocks noChangeAspect="1" noChangeArrowheads="1"/>
+          </p:cNvPicPr>
+          <p:nvPr/>
+        </p:nvPicPr>
+        <p:blipFill>
+          <a:blip r:embed="rId3">
+            <a:extLst>
+              <a:ext uri="{28A0092B-C50C-407E-A947-70E740481C1C}">
+                <a14:useLocalDpi xmlns:a14="http://schemas.microsoft.com/office/drawing/2010/main" val="0"/>
+              </a:ext>
+            </a:extLst>
+          </a:blip>
+          <a:srcRect/>
+          <a:stretch>
+            <a:fillRect/>
+          </a:stretch>
+        </p:blipFill>
+        <p:spPr bwMode="auto">
+          <a:xfrm>
+            <a:off x="2667000" y="929390"/>
+            <a:ext cx="5928610" cy="5928610"/>
+          </a:xfrm>
+          <a:prstGeom prst="rect">
+            <a:avLst/>
+          </a:prstGeom>
+          <a:noFill/>
+          <a:extLst>
+            <a:ext uri="{909E8E84-426E-40DD-AFC4-6F175D3DCCD1}">
+              <a14:hiddenFill xmlns:a14="http://schemas.microsoft.com/office/drawing/2010/main">
+                <a:solidFill>
+                  <a:srgbClr val="FFFFFF"/>
+                </a:solidFill>
+              </a14:hiddenFill>
+            </a:ext>
+          </a:extLst>
+        </p:spPr>
+      </p:pic>
+    </p:spTree>
+    <p:extLst>
+      <p:ext uri="{BB962C8B-B14F-4D97-AF65-F5344CB8AC3E}">
+        <p14:creationId xmlns:p14="http://schemas.microsoft.com/office/powerpoint/2010/main" val="678295228"/>
+      </p:ext>
+    </p:extLst>
+  </p:cSld>
+  <p:clrMapOvr>
+    <a:masterClrMapping/>
+  </p:clrMapOvr>
+</p:sld>
+</file>
+
+<file path=ppt/slides/slide7.xml><?xml version="1.0" encoding="utf-8"?>
+<p:sld xmlns:a="http://schemas.openxmlformats.org/drawingml/2006/main" xmlns:r="http://schemas.openxmlformats.org/officeDocument/2006/relationships" xmlns:p="http://schemas.openxmlformats.org/presentationml/2006/main">
+  <p:cSld>
+    <p:spTree>
+      <p:nvGrpSpPr>
+        <p:cNvPr id="1" name=""/>
+        <p:cNvGrpSpPr/>
+        <p:nvPr/>
+      </p:nvGrpSpPr>
+      <p:grpSpPr>
+        <a:xfrm>
+          <a:off x="0" y="0"/>
+          <a:ext cx="0" cy="0"/>
+          <a:chOff x="0" y="0"/>
+          <a:chExt cx="0" cy="0"/>
+        </a:xfrm>
+      </p:grpSpPr>
+      <p:sp>
+        <p:nvSpPr>
+          <p:cNvPr id="9" name="文字方塊 8">
+            <a:extLst>
+              <a:ext uri="{FF2B5EF4-FFF2-40B4-BE49-F238E27FC236}">
+                <a16:creationId xmlns:a16="http://schemas.microsoft.com/office/drawing/2014/main" id="{EC6694D8-46F6-C180-8B98-B5BB50250750}"/>
+              </a:ext>
+            </a:extLst>
+          </p:cNvPr>
+          <p:cNvSpPr txBox="1"/>
+          <p:nvPr/>
+        </p:nvSpPr>
+        <p:spPr>
+          <a:xfrm>
+            <a:off x="353961" y="144094"/>
+            <a:ext cx="1524000" cy="553998"/>
+          </a:xfrm>
+          <a:prstGeom prst="rect">
+            <a:avLst/>
+          </a:prstGeom>
+          <a:noFill/>
+        </p:spPr>
+        <p:txBody>
+          <a:bodyPr wrap="square">
+            <a:spAutoFit/>
+          </a:bodyPr>
+          <a:lstStyle>
+            <a:defPPr>
+              <a:defRPr lang="zh-TW"/>
+            </a:defPPr>
+            <a:lvl1pPr>
+              <a:defRPr sz="3200" b="1">
+                <a:solidFill>
+                  <a:schemeClr val="bg2">
+                    <a:lumMod val="50000"/>
+                  </a:schemeClr>
+                </a:solidFill>
+                <a:latin typeface="微軟正黑體" panose="020B0604030504040204" pitchFamily="34" charset="-120"/>
+                <a:ea typeface="微軟正黑體" panose="020B0604030504040204" pitchFamily="34" charset="-120"/>
+              </a:defRPr>
+            </a:lvl1pPr>
+          </a:lstStyle>
+          <a:p>
+            <a:r>
+              <a:rPr lang="en-US" altLang="zh-TW" dirty="0"/>
+              <a:t>6. </a:t>
+            </a:r>
+            <a:r>
+              <a:rPr lang="zh-TW" altLang="en-US" dirty="0"/>
+              <a:t>轉彎</a:t>
+            </a:r>
+            <a:endParaRPr lang="en-US" altLang="zh-TW" dirty="0"/>
+          </a:p>
+        </p:txBody>
+      </p:sp>
+      <p:pic>
+        <p:nvPicPr>
+          <p:cNvPr id="1026" name="Picture 2" descr="日本2D動漫風格的男生，白髮，在電競房背景中努力練習">
+            <a:extLst>
+              <a:ext uri="{FF2B5EF4-FFF2-40B4-BE49-F238E27FC236}">
+                <a16:creationId xmlns:a16="http://schemas.microsoft.com/office/drawing/2014/main" id="{B034A4AE-9581-4760-A276-B76CE3663980}"/>
+              </a:ext>
+            </a:extLst>
+          </p:cNvPr>
+          <p:cNvPicPr>
+            <a:picLocks noChangeAspect="1" noChangeArrowheads="1"/>
+          </p:cNvPicPr>
+          <p:nvPr/>
+        </p:nvPicPr>
+        <p:blipFill>
+          <a:blip r:embed="rId3">
+            <a:extLst>
+              <a:ext uri="{28A0092B-C50C-407E-A947-70E740481C1C}">
+                <a14:useLocalDpi xmlns:a14="http://schemas.microsoft.com/office/drawing/2010/main" val="0"/>
+              </a:ext>
+            </a:extLst>
+          </a:blip>
+          <a:srcRect/>
+          <a:stretch>
+            <a:fillRect/>
+          </a:stretch>
+        </p:blipFill>
+        <p:spPr bwMode="auto">
+          <a:xfrm>
+            <a:off x="2523067" y="897466"/>
+            <a:ext cx="5858933" cy="5858933"/>
+          </a:xfrm>
+          <a:prstGeom prst="rect">
+            <a:avLst/>
+          </a:prstGeom>
+          <a:noFill/>
+          <a:extLst>
+            <a:ext uri="{909E8E84-426E-40DD-AFC4-6F175D3DCCD1}">
+              <a14:hiddenFill xmlns:a14="http://schemas.microsoft.com/office/drawing/2010/main">
+                <a:solidFill>
+                  <a:srgbClr val="FFFFFF"/>
+                </a:solidFill>
+              </a14:hiddenFill>
+            </a:ext>
+          </a:extLst>
+        </p:spPr>
+      </p:pic>
+    </p:spTree>
+    <p:extLst>
+      <p:ext uri="{BB962C8B-B14F-4D97-AF65-F5344CB8AC3E}">
+        <p14:creationId xmlns:p14="http://schemas.microsoft.com/office/powerpoint/2010/main" val="817935155"/>
+      </p:ext>
+    </p:extLst>
+  </p:cSld>
+  <p:clrMapOvr>
+    <a:masterClrMapping/>
+  </p:clrMapOvr>
+</p:sld>
+</file>
+
+<file path=ppt/slides/slide8.xml><?xml version="1.0" encoding="utf-8"?>
+<p:sld xmlns:a="http://schemas.openxmlformats.org/drawingml/2006/main" xmlns:r="http://schemas.openxmlformats.org/officeDocument/2006/relationships" xmlns:p="http://schemas.openxmlformats.org/presentationml/2006/main">
+  <p:cSld>
+    <p:spTree>
+      <p:nvGrpSpPr>
+        <p:cNvPr id="1" name=""/>
+        <p:cNvGrpSpPr/>
+        <p:nvPr/>
+      </p:nvGrpSpPr>
+      <p:grpSpPr>
+        <a:xfrm>
+          <a:off x="0" y="0"/>
+          <a:ext cx="0" cy="0"/>
+          <a:chOff x="0" y="0"/>
+          <a:chExt cx="0" cy="0"/>
+        </a:xfrm>
+      </p:grpSpPr>
+      <p:sp>
+        <p:nvSpPr>
+          <p:cNvPr id="9" name="文字方塊 8">
+            <a:extLst>
+              <a:ext uri="{FF2B5EF4-FFF2-40B4-BE49-F238E27FC236}">
+                <a16:creationId xmlns:a16="http://schemas.microsoft.com/office/drawing/2014/main" id="{EC6694D8-46F6-C180-8B98-B5BB50250750}"/>
+              </a:ext>
+            </a:extLst>
+          </p:cNvPr>
+          <p:cNvSpPr txBox="1"/>
+          <p:nvPr/>
+        </p:nvSpPr>
+        <p:spPr>
+          <a:xfrm>
+            <a:off x="353961" y="144094"/>
+            <a:ext cx="1524000" cy="553998"/>
+          </a:xfrm>
+          <a:prstGeom prst="rect">
+            <a:avLst/>
+          </a:prstGeom>
+          <a:noFill/>
+        </p:spPr>
+        <p:txBody>
+          <a:bodyPr wrap="square">
+            <a:spAutoFit/>
+          </a:bodyPr>
+          <a:lstStyle>
+            <a:defPPr>
+              <a:defRPr lang="zh-TW"/>
+            </a:defPPr>
+            <a:lvl1pPr>
+              <a:defRPr sz="3200" b="1">
+                <a:solidFill>
+                  <a:schemeClr val="bg2">
+                    <a:lumMod val="50000"/>
+                  </a:schemeClr>
+                </a:solidFill>
+                <a:latin typeface="微軟正黑體" panose="020B0604030504040204" pitchFamily="34" charset="-120"/>
+                <a:ea typeface="微軟正黑體" panose="020B0604030504040204" pitchFamily="34" charset="-120"/>
+              </a:defRPr>
+            </a:lvl1pPr>
+          </a:lstStyle>
+          <a:p>
+            <a:r>
+              <a:rPr lang="en-US" altLang="zh-TW" dirty="0"/>
+              <a:t>7. </a:t>
+            </a:r>
+            <a:r>
+              <a:rPr lang="zh-TW" altLang="en-US" dirty="0"/>
+              <a:t>結局</a:t>
+            </a:r>
+            <a:endParaRPr lang="en-US" altLang="zh-TW" dirty="0"/>
+          </a:p>
+        </p:txBody>
+      </p:sp>
+      <p:pic>
+        <p:nvPicPr>
+          <p:cNvPr id="2050" name="Picture 2" descr="A male character with white hair in a Japanese anime style, celebrating a championship victory with teammates in an esports gaming room background.">
+            <a:extLst>
+              <a:ext uri="{FF2B5EF4-FFF2-40B4-BE49-F238E27FC236}">
+                <a16:creationId xmlns:a16="http://schemas.microsoft.com/office/drawing/2014/main" id="{88A13678-C269-4EE9-819E-94B39553B782}"/>
+              </a:ext>
+            </a:extLst>
+          </p:cNvPr>
+          <p:cNvPicPr>
+            <a:picLocks noChangeAspect="1" noChangeArrowheads="1"/>
+          </p:cNvPicPr>
+          <p:nvPr/>
+        </p:nvPicPr>
+        <p:blipFill>
+          <a:blip r:embed="rId3">
+            <a:extLst>
+              <a:ext uri="{28A0092B-C50C-407E-A947-70E740481C1C}">
+                <a14:useLocalDpi xmlns:a14="http://schemas.microsoft.com/office/drawing/2010/main" val="0"/>
+              </a:ext>
+            </a:extLst>
+          </a:blip>
+          <a:srcRect/>
+          <a:stretch>
+            <a:fillRect/>
+          </a:stretch>
+        </p:blipFill>
+        <p:spPr bwMode="auto">
+          <a:xfrm>
+            <a:off x="2367196" y="950626"/>
+            <a:ext cx="5652541" cy="5652541"/>
+          </a:xfrm>
+          <a:prstGeom prst="rect">
+            <a:avLst/>
+          </a:prstGeom>
+          <a:noFill/>
+          <a:extLst>
+            <a:ext uri="{909E8E84-426E-40DD-AFC4-6F175D3DCCD1}">
+              <a14:hiddenFill xmlns:a14="http://schemas.microsoft.com/office/drawing/2010/main">
+                <a:solidFill>
+                  <a:srgbClr val="FFFFFF"/>
+                </a:solidFill>
+              </a14:hiddenFill>
+            </a:ext>
+          </a:extLst>
+        </p:spPr>
+      </p:pic>
+    </p:spTree>
+    <p:extLst>
+      <p:ext uri="{BB962C8B-B14F-4D97-AF65-F5344CB8AC3E}">
+        <p14:creationId xmlns:p14="http://schemas.microsoft.com/office/powerpoint/2010/main" val="1390510072"/>
       </p:ext>
     </p:extLst>
   </p:cSld>
@@ -3387,7 +5920,7 @@
 <file path=ppt/theme/theme1.xml><?xml version="1.0" encoding="utf-8"?>
 <a:theme xmlns:a="http://schemas.openxmlformats.org/drawingml/2006/main" name="Office 佈景主題">
   <a:themeElements>
-    <a:clrScheme name="Office">
+    <a:clrScheme name="黃橙色">
       <a:dk1>
         <a:sysClr val="windowText" lastClr="000000"/>
       </a:dk1>
@@ -3395,39 +5928,39 @@
         <a:sysClr val="window" lastClr="FFFFFF"/>
       </a:lt1>
       <a:dk2>
-        <a:srgbClr val="44546A"/>
+        <a:srgbClr val="4E3B30"/>
       </a:dk2>
       <a:lt2>
-        <a:srgbClr val="E7E6E6"/>
+        <a:srgbClr val="FBEEC9"/>
       </a:lt2>
       <a:accent1>
-        <a:srgbClr val="4472C4"/>
+        <a:srgbClr val="F0A22E"/>
       </a:accent1>
       <a:accent2>
-        <a:srgbClr val="ED7D31"/>
+        <a:srgbClr val="A5644E"/>
       </a:accent2>
       <a:accent3>
-        <a:srgbClr val="A5A5A5"/>
+        <a:srgbClr val="B58B80"/>
       </a:accent3>
       <a:accent4>
-        <a:srgbClr val="FFC000"/>
+        <a:srgbClr val="C3986D"/>
       </a:accent4>
       <a:accent5>
-        <a:srgbClr val="5B9BD5"/>
+        <a:srgbClr val="A19574"/>
       </a:accent5>
       <a:accent6>
-        <a:srgbClr val="70AD47"/>
+        <a:srgbClr val="C17529"/>
       </a:accent6>
       <a:hlink>
-        <a:srgbClr val="0563C1"/>
+        <a:srgbClr val="AD1F1F"/>
       </a:hlink>
       <a:folHlink>
-        <a:srgbClr val="954F72"/>
+        <a:srgbClr val="FFC42F"/>
       </a:folHlink>
     </a:clrScheme>
     <a:fontScheme name="Office">
       <a:majorFont>
-        <a:latin typeface="Calibri Light" panose="020F0302020204030204"/>
+        <a:latin typeface="Aptos Display" panose="02110004020202020204"/>
         <a:ea typeface=""/>
         <a:cs typeface=""/>
         <a:font script="Jpan" typeface="游ゴシック Light"/>
@@ -3479,7 +6012,7 @@
         <a:font script="Tfng" typeface="Ebrima"/>
       </a:majorFont>
       <a:minorFont>
-        <a:latin typeface="Calibri" panose="020F0502020204030204"/>
+        <a:latin typeface="Aptos" panose="02110004020202020204"/>
         <a:ea typeface=""/>
         <a:cs typeface=""/>
         <a:font script="Jpan" typeface="游ゴシック"/>
@@ -3590,13 +6123,6 @@
         </a:gradFill>
       </a:fillStyleLst>
       <a:lnStyleLst>
-        <a:ln w="6350" cap="flat" cmpd="sng" algn="ctr">
-          <a:solidFill>
-            <a:schemeClr val="phClr"/>
-          </a:solidFill>
-          <a:prstDash val="solid"/>
-          <a:miter lim="800000"/>
-        </a:ln>
         <a:ln w="12700" cap="flat" cmpd="sng" algn="ctr">
           <a:solidFill>
             <a:schemeClr val="phClr"/>
@@ -3605,6 +6131,13 @@
           <a:miter lim="800000"/>
         </a:ln>
         <a:ln w="19050" cap="flat" cmpd="sng" algn="ctr">
+          <a:solidFill>
+            <a:schemeClr val="phClr"/>
+          </a:solidFill>
+          <a:prstDash val="solid"/>
+          <a:miter lim="800000"/>
+        </a:ln>
+        <a:ln w="25400" cap="flat" cmpd="sng" algn="ctr">
           <a:solidFill>
             <a:schemeClr val="phClr"/>
           </a:solidFill>
@@ -3669,11 +6202,346 @@
       </a:bgFillStyleLst>
     </a:fmtScheme>
   </a:themeElements>
-  <a:objectDefaults/>
+  <a:objectDefaults>
+    <a:lnDef>
+      <a:spPr/>
+      <a:bodyPr/>
+      <a:lstStyle/>
+      <a:style>
+        <a:lnRef idx="2">
+          <a:schemeClr val="accent1"/>
+        </a:lnRef>
+        <a:fillRef idx="0">
+          <a:schemeClr val="accent1"/>
+        </a:fillRef>
+        <a:effectRef idx="1">
+          <a:schemeClr val="accent1"/>
+        </a:effectRef>
+        <a:fontRef idx="minor">
+          <a:schemeClr val="tx1"/>
+        </a:fontRef>
+      </a:style>
+    </a:lnDef>
+  </a:objectDefaults>
   <a:extraClrSchemeLst/>
   <a:extLst>
     <a:ext uri="{05A4C25C-085E-4340-85A3-A5531E510DB2}">
-      <thm15:themeFamily xmlns:thm15="http://schemas.microsoft.com/office/thememl/2012/main" name="Office Theme" id="{62F939B6-93AF-4DB8-9C6B-D6C7DFDC589F}" vid="{4A3C46E8-61CC-4603-A589-7422A47A8E4A}"/>
+      <thm15:themeFamily xmlns:thm15="http://schemas.microsoft.com/office/thememl/2012/main" name="Office Theme" id="{2E142A2C-CD16-42D6-873A-C26D2A0506FA}" vid="{1BDDFF52-6CD6-40A5-AB3C-68EB2F1E4D0A}"/>
+    </a:ext>
+  </a:extLst>
+</a:theme>
+</file>
+
+<file path=ppt/theme/theme2.xml><?xml version="1.0" encoding="utf-8"?>
+<a:theme xmlns:a="http://schemas.openxmlformats.org/drawingml/2006/main" name="Office 佈景主題">
+  <a:themeElements>
+    <a:clrScheme name="Office">
+      <a:dk1>
+        <a:sysClr val="windowText" lastClr="000000"/>
+      </a:dk1>
+      <a:lt1>
+        <a:sysClr val="window" lastClr="FFFFFF"/>
+      </a:lt1>
+      <a:dk2>
+        <a:srgbClr val="0E2841"/>
+      </a:dk2>
+      <a:lt2>
+        <a:srgbClr val="E8E8E8"/>
+      </a:lt2>
+      <a:accent1>
+        <a:srgbClr val="156082"/>
+      </a:accent1>
+      <a:accent2>
+        <a:srgbClr val="E97132"/>
+      </a:accent2>
+      <a:accent3>
+        <a:srgbClr val="196B24"/>
+      </a:accent3>
+      <a:accent4>
+        <a:srgbClr val="0F9ED5"/>
+      </a:accent4>
+      <a:accent5>
+        <a:srgbClr val="A02B93"/>
+      </a:accent5>
+      <a:accent6>
+        <a:srgbClr val="4EA72E"/>
+      </a:accent6>
+      <a:hlink>
+        <a:srgbClr val="467886"/>
+      </a:hlink>
+      <a:folHlink>
+        <a:srgbClr val="96607D"/>
+      </a:folHlink>
+    </a:clrScheme>
+    <a:fontScheme name="Office">
+      <a:majorFont>
+        <a:latin typeface="Aptos Display" panose="02110004020202020204"/>
+        <a:ea typeface=""/>
+        <a:cs typeface=""/>
+        <a:font script="Jpan" typeface="游ゴシック Light"/>
+        <a:font script="Hang" typeface="맑은 고딕"/>
+        <a:font script="Hans" typeface="等线 Light"/>
+        <a:font script="Hant" typeface="新細明體"/>
+        <a:font script="Arab" typeface="Times New Roman"/>
+        <a:font script="Hebr" typeface="Times New Roman"/>
+        <a:font script="Thai" typeface="Angsana New"/>
+        <a:font script="Ethi" typeface="Nyala"/>
+        <a:font script="Beng" typeface="Vrinda"/>
+        <a:font script="Gujr" typeface="Shruti"/>
+        <a:font script="Khmr" typeface="MoolBoran"/>
+        <a:font script="Knda" typeface="Tunga"/>
+        <a:font script="Guru" typeface="Raavi"/>
+        <a:font script="Cans" typeface="Euphemia"/>
+        <a:font script="Cher" typeface="Plantagenet Cherokee"/>
+        <a:font script="Yiii" typeface="Microsoft Yi Baiti"/>
+        <a:font script="Tibt" typeface="Microsoft Himalaya"/>
+        <a:font script="Thaa" typeface="MV Boli"/>
+        <a:font script="Deva" typeface="Mangal"/>
+        <a:font script="Telu" typeface="Gautami"/>
+        <a:font script="Taml" typeface="Latha"/>
+        <a:font script="Syrc" typeface="Estrangelo Edessa"/>
+        <a:font script="Orya" typeface="Kalinga"/>
+        <a:font script="Mlym" typeface="Kartika"/>
+        <a:font script="Laoo" typeface="DokChampa"/>
+        <a:font script="Sinh" typeface="Iskoola Pota"/>
+        <a:font script="Mong" typeface="Mongolian Baiti"/>
+        <a:font script="Viet" typeface="Times New Roman"/>
+        <a:font script="Uigh" typeface="Microsoft Uighur"/>
+        <a:font script="Geor" typeface="Sylfaen"/>
+        <a:font script="Armn" typeface="Arial"/>
+        <a:font script="Bugi" typeface="Leelawadee UI"/>
+        <a:font script="Bopo" typeface="Microsoft JhengHei"/>
+        <a:font script="Java" typeface="Javanese Text"/>
+        <a:font script="Lisu" typeface="Segoe UI"/>
+        <a:font script="Mymr" typeface="Myanmar Text"/>
+        <a:font script="Nkoo" typeface="Ebrima"/>
+        <a:font script="Olck" typeface="Nirmala UI"/>
+        <a:font script="Osma" typeface="Ebrima"/>
+        <a:font script="Phag" typeface="Phagspa"/>
+        <a:font script="Syrn" typeface="Estrangelo Edessa"/>
+        <a:font script="Syrj" typeface="Estrangelo Edessa"/>
+        <a:font script="Syre" typeface="Estrangelo Edessa"/>
+        <a:font script="Sora" typeface="Nirmala UI"/>
+        <a:font script="Tale" typeface="Microsoft Tai Le"/>
+        <a:font script="Talu" typeface="Microsoft New Tai Lue"/>
+        <a:font script="Tfng" typeface="Ebrima"/>
+      </a:majorFont>
+      <a:minorFont>
+        <a:latin typeface="Aptos" panose="02110004020202020204"/>
+        <a:ea typeface=""/>
+        <a:cs typeface=""/>
+        <a:font script="Jpan" typeface="游ゴシック"/>
+        <a:font script="Hang" typeface="맑은 고딕"/>
+        <a:font script="Hans" typeface="等线"/>
+        <a:font script="Hant" typeface="新細明體"/>
+        <a:font script="Arab" typeface="Arial"/>
+        <a:font script="Hebr" typeface="Arial"/>
+        <a:font script="Thai" typeface="Cordia New"/>
+        <a:font script="Ethi" typeface="Nyala"/>
+        <a:font script="Beng" typeface="Vrinda"/>
+        <a:font script="Gujr" typeface="Shruti"/>
+        <a:font script="Khmr" typeface="DaunPenh"/>
+        <a:font script="Knda" typeface="Tunga"/>
+        <a:font script="Guru" typeface="Raavi"/>
+        <a:font script="Cans" typeface="Euphemia"/>
+        <a:font script="Cher" typeface="Plantagenet Cherokee"/>
+        <a:font script="Yiii" typeface="Microsoft Yi Baiti"/>
+        <a:font script="Tibt" typeface="Microsoft Himalaya"/>
+        <a:font script="Thaa" typeface="MV Boli"/>
+        <a:font script="Deva" typeface="Mangal"/>
+        <a:font script="Telu" typeface="Gautami"/>
+        <a:font script="Taml" typeface="Latha"/>
+        <a:font script="Syrc" typeface="Estrangelo Edessa"/>
+        <a:font script="Orya" typeface="Kalinga"/>
+        <a:font script="Mlym" typeface="Kartika"/>
+        <a:font script="Laoo" typeface="DokChampa"/>
+        <a:font script="Sinh" typeface="Iskoola Pota"/>
+        <a:font script="Mong" typeface="Mongolian Baiti"/>
+        <a:font script="Viet" typeface="Arial"/>
+        <a:font script="Uigh" typeface="Microsoft Uighur"/>
+        <a:font script="Geor" typeface="Sylfaen"/>
+        <a:font script="Armn" typeface="Arial"/>
+        <a:font script="Bugi" typeface="Leelawadee UI"/>
+        <a:font script="Bopo" typeface="Microsoft JhengHei"/>
+        <a:font script="Java" typeface="Javanese Text"/>
+        <a:font script="Lisu" typeface="Segoe UI"/>
+        <a:font script="Mymr" typeface="Myanmar Text"/>
+        <a:font script="Nkoo" typeface="Ebrima"/>
+        <a:font script="Olck" typeface="Nirmala UI"/>
+        <a:font script="Osma" typeface="Ebrima"/>
+        <a:font script="Phag" typeface="Phagspa"/>
+        <a:font script="Syrn" typeface="Estrangelo Edessa"/>
+        <a:font script="Syrj" typeface="Estrangelo Edessa"/>
+        <a:font script="Syre" typeface="Estrangelo Edessa"/>
+        <a:font script="Sora" typeface="Nirmala UI"/>
+        <a:font script="Tale" typeface="Microsoft Tai Le"/>
+        <a:font script="Talu" typeface="Microsoft New Tai Lue"/>
+        <a:font script="Tfng" typeface="Ebrima"/>
+      </a:minorFont>
+    </a:fontScheme>
+    <a:fmtScheme name="Office">
+      <a:fillStyleLst>
+        <a:solidFill>
+          <a:schemeClr val="phClr"/>
+        </a:solidFill>
+        <a:gradFill rotWithShape="1">
+          <a:gsLst>
+            <a:gs pos="0">
+              <a:schemeClr val="phClr">
+                <a:lumMod val="110000"/>
+                <a:satMod val="105000"/>
+                <a:tint val="67000"/>
+              </a:schemeClr>
+            </a:gs>
+            <a:gs pos="50000">
+              <a:schemeClr val="phClr">
+                <a:lumMod val="105000"/>
+                <a:satMod val="103000"/>
+                <a:tint val="73000"/>
+              </a:schemeClr>
+            </a:gs>
+            <a:gs pos="100000">
+              <a:schemeClr val="phClr">
+                <a:lumMod val="105000"/>
+                <a:satMod val="109000"/>
+                <a:tint val="81000"/>
+              </a:schemeClr>
+            </a:gs>
+          </a:gsLst>
+          <a:lin ang="5400000" scaled="0"/>
+        </a:gradFill>
+        <a:gradFill rotWithShape="1">
+          <a:gsLst>
+            <a:gs pos="0">
+              <a:schemeClr val="phClr">
+                <a:satMod val="103000"/>
+                <a:lumMod val="102000"/>
+                <a:tint val="94000"/>
+              </a:schemeClr>
+            </a:gs>
+            <a:gs pos="50000">
+              <a:schemeClr val="phClr">
+                <a:satMod val="110000"/>
+                <a:lumMod val="100000"/>
+                <a:shade val="100000"/>
+              </a:schemeClr>
+            </a:gs>
+            <a:gs pos="100000">
+              <a:schemeClr val="phClr">
+                <a:lumMod val="99000"/>
+                <a:satMod val="120000"/>
+                <a:shade val="78000"/>
+              </a:schemeClr>
+            </a:gs>
+          </a:gsLst>
+          <a:lin ang="5400000" scaled="0"/>
+        </a:gradFill>
+      </a:fillStyleLst>
+      <a:lnStyleLst>
+        <a:ln w="12700" cap="flat" cmpd="sng" algn="ctr">
+          <a:solidFill>
+            <a:schemeClr val="phClr"/>
+          </a:solidFill>
+          <a:prstDash val="solid"/>
+          <a:miter lim="800000"/>
+        </a:ln>
+        <a:ln w="19050" cap="flat" cmpd="sng" algn="ctr">
+          <a:solidFill>
+            <a:schemeClr val="phClr"/>
+          </a:solidFill>
+          <a:prstDash val="solid"/>
+          <a:miter lim="800000"/>
+        </a:ln>
+        <a:ln w="25400" cap="flat" cmpd="sng" algn="ctr">
+          <a:solidFill>
+            <a:schemeClr val="phClr"/>
+          </a:solidFill>
+          <a:prstDash val="solid"/>
+          <a:miter lim="800000"/>
+        </a:ln>
+      </a:lnStyleLst>
+      <a:effectStyleLst>
+        <a:effectStyle>
+          <a:effectLst/>
+        </a:effectStyle>
+        <a:effectStyle>
+          <a:effectLst/>
+        </a:effectStyle>
+        <a:effectStyle>
+          <a:effectLst>
+            <a:outerShdw blurRad="57150" dist="19050" dir="5400000" algn="ctr" rotWithShape="0">
+              <a:srgbClr val="000000">
+                <a:alpha val="63000"/>
+              </a:srgbClr>
+            </a:outerShdw>
+          </a:effectLst>
+        </a:effectStyle>
+      </a:effectStyleLst>
+      <a:bgFillStyleLst>
+        <a:solidFill>
+          <a:schemeClr val="phClr"/>
+        </a:solidFill>
+        <a:solidFill>
+          <a:schemeClr val="phClr">
+            <a:tint val="95000"/>
+            <a:satMod val="170000"/>
+          </a:schemeClr>
+        </a:solidFill>
+        <a:gradFill rotWithShape="1">
+          <a:gsLst>
+            <a:gs pos="0">
+              <a:schemeClr val="phClr">
+                <a:tint val="93000"/>
+                <a:satMod val="150000"/>
+                <a:shade val="98000"/>
+                <a:lumMod val="102000"/>
+              </a:schemeClr>
+            </a:gs>
+            <a:gs pos="50000">
+              <a:schemeClr val="phClr">
+                <a:tint val="98000"/>
+                <a:satMod val="130000"/>
+                <a:shade val="90000"/>
+                <a:lumMod val="103000"/>
+              </a:schemeClr>
+            </a:gs>
+            <a:gs pos="100000">
+              <a:schemeClr val="phClr">
+                <a:shade val="63000"/>
+                <a:satMod val="120000"/>
+              </a:schemeClr>
+            </a:gs>
+          </a:gsLst>
+          <a:lin ang="5400000" scaled="0"/>
+        </a:gradFill>
+      </a:bgFillStyleLst>
+    </a:fmtScheme>
+  </a:themeElements>
+  <a:objectDefaults>
+    <a:lnDef>
+      <a:spPr/>
+      <a:bodyPr/>
+      <a:lstStyle/>
+      <a:style>
+        <a:lnRef idx="2">
+          <a:schemeClr val="accent1"/>
+        </a:lnRef>
+        <a:fillRef idx="0">
+          <a:schemeClr val="accent1"/>
+        </a:fillRef>
+        <a:effectRef idx="1">
+          <a:schemeClr val="accent1"/>
+        </a:effectRef>
+        <a:fontRef idx="minor">
+          <a:schemeClr val="tx1"/>
+        </a:fontRef>
+      </a:style>
+    </a:lnDef>
+  </a:objectDefaults>
+  <a:extraClrSchemeLst/>
+  <a:extLst>
+    <a:ext uri="{05A4C25C-085E-4340-85A3-A5531E510DB2}">
+      <thm15:themeFamily xmlns:thm15="http://schemas.microsoft.com/office/thememl/2012/main" name="Office Theme" id="{2E142A2C-CD16-42D6-873A-C26D2A0506FA}" vid="{1BDDFF52-6CD6-40A5-AB3C-68EB2F1E4D0A}"/>
     </a:ext>
   </a:extLst>
 </a:theme>
